--- a/project/Проект.pptx
+++ b/project/Проект.pptx
@@ -199,7 +199,7 @@
           <a:noFill/>
           <a:extLst>
             <a:ext uri="{909E8E84-426E-40dd-AFC4-6F175D3DCCD1}">
-              <a14:hiddenFill xmlns="" xmlns:a14="http://schemas.microsoft.com/office/drawing/2010/main">
+              <a14:hiddenFill xmlns:a14="http://schemas.microsoft.com/office/drawing/2010/main" xmlns="">
                 <a:solidFill>
                   <a:srgbClr val="FFFFFF"/>
                 </a:solidFill>
@@ -259,7 +259,7 @@
             </a:ln>
             <a:extLst>
               <a:ext uri="{91240B29-F687-4f45-9708-019B960494DF}">
-                <a14:hiddenLine xmlns="" xmlns:a14="http://schemas.microsoft.com/office/drawing/2010/main" w="9525">
+                <a14:hiddenLine xmlns:a14="http://schemas.microsoft.com/office/drawing/2010/main" xmlns="" w="9525">
                   <a:solidFill>
                     <a:srgbClr val="000000"/>
                   </a:solidFill>
@@ -349,7 +349,7 @@
             </a:ln>
             <a:extLst>
               <a:ext uri="{91240B29-F687-4f45-9708-019B960494DF}">
-                <a14:hiddenLine xmlns="" xmlns:a14="http://schemas.microsoft.com/office/drawing/2010/main" w="9525">
+                <a14:hiddenLine xmlns:a14="http://schemas.microsoft.com/office/drawing/2010/main" xmlns="" w="9525">
                   <a:solidFill>
                     <a:srgbClr val="000000"/>
                   </a:solidFill>
@@ -439,7 +439,7 @@
             </a:ln>
             <a:extLst>
               <a:ext uri="{91240B29-F687-4f45-9708-019B960494DF}">
-                <a14:hiddenLine xmlns="" xmlns:a14="http://schemas.microsoft.com/office/drawing/2010/main" w="9525">
+                <a14:hiddenLine xmlns:a14="http://schemas.microsoft.com/office/drawing/2010/main" xmlns="" w="9525">
                   <a:solidFill>
                     <a:srgbClr val="000000"/>
                   </a:solidFill>
@@ -473,7 +473,7 @@
             </a:ln>
             <a:extLst>
               <a:ext uri="{91240B29-F687-4f45-9708-019B960494DF}">
-                <a14:hiddenLine xmlns="" xmlns:a14="http://schemas.microsoft.com/office/drawing/2010/main" w="9525">
+                <a14:hiddenLine xmlns:a14="http://schemas.microsoft.com/office/drawing/2010/main" xmlns="" w="9525">
                   <a:solidFill>
                     <a:srgbClr val="000000"/>
                   </a:solidFill>
@@ -563,7 +563,7 @@
             </a:ln>
             <a:extLst>
               <a:ext uri="{91240B29-F687-4f45-9708-019B960494DF}">
-                <a14:hiddenLine xmlns="" xmlns:a14="http://schemas.microsoft.com/office/drawing/2010/main" w="9525">
+                <a14:hiddenLine xmlns:a14="http://schemas.microsoft.com/office/drawing/2010/main" xmlns="" w="9525">
                   <a:solidFill>
                     <a:srgbClr val="000000"/>
                   </a:solidFill>
@@ -625,7 +625,7 @@
             </a:ln>
             <a:extLst>
               <a:ext uri="{91240B29-F687-4f45-9708-019B960494DF}">
-                <a14:hiddenLine xmlns="" xmlns:a14="http://schemas.microsoft.com/office/drawing/2010/main" w="9525">
+                <a14:hiddenLine xmlns:a14="http://schemas.microsoft.com/office/drawing/2010/main" xmlns="" w="9525">
                   <a:solidFill>
                     <a:srgbClr val="000000"/>
                   </a:solidFill>
@@ -687,7 +687,7 @@
             </a:ln>
             <a:extLst>
               <a:ext uri="{91240B29-F687-4f45-9708-019B960494DF}">
-                <a14:hiddenLine xmlns="" xmlns:a14="http://schemas.microsoft.com/office/drawing/2010/main" w="9525">
+                <a14:hiddenLine xmlns:a14="http://schemas.microsoft.com/office/drawing/2010/main" xmlns="" w="9525">
                   <a:solidFill>
                     <a:srgbClr val="000000"/>
                   </a:solidFill>
@@ -777,7 +777,7 @@
             </a:ln>
             <a:extLst>
               <a:ext uri="{91240B29-F687-4f45-9708-019B960494DF}">
-                <a14:hiddenLine xmlns="" xmlns:a14="http://schemas.microsoft.com/office/drawing/2010/main" w="9525">
+                <a14:hiddenLine xmlns:a14="http://schemas.microsoft.com/office/drawing/2010/main" xmlns="" w="9525">
                   <a:solidFill>
                     <a:srgbClr val="000000"/>
                   </a:solidFill>
@@ -839,7 +839,7 @@
             </a:ln>
             <a:extLst>
               <a:ext uri="{91240B29-F687-4f45-9708-019B960494DF}">
-                <a14:hiddenLine xmlns="" xmlns:a14="http://schemas.microsoft.com/office/drawing/2010/main" w="9525">
+                <a14:hiddenLine xmlns:a14="http://schemas.microsoft.com/office/drawing/2010/main" xmlns="" w="9525">
                   <a:solidFill>
                     <a:srgbClr val="000000"/>
                   </a:solidFill>
@@ -901,7 +901,7 @@
             </a:ln>
             <a:extLst>
               <a:ext uri="{91240B29-F687-4f45-9708-019B960494DF}">
-                <a14:hiddenLine xmlns="" xmlns:a14="http://schemas.microsoft.com/office/drawing/2010/main" w="9525">
+                <a14:hiddenLine xmlns:a14="http://schemas.microsoft.com/office/drawing/2010/main" xmlns="" w="9525">
                   <a:solidFill>
                     <a:srgbClr val="000000"/>
                   </a:solidFill>
@@ -991,7 +991,7 @@
             </a:ln>
             <a:extLst>
               <a:ext uri="{91240B29-F687-4f45-9708-019B960494DF}">
-                <a14:hiddenLine xmlns="" xmlns:a14="http://schemas.microsoft.com/office/drawing/2010/main" w="9525">
+                <a14:hiddenLine xmlns:a14="http://schemas.microsoft.com/office/drawing/2010/main" xmlns="" w="9525">
                   <a:solidFill>
                     <a:srgbClr val="000000"/>
                   </a:solidFill>
@@ -1081,7 +1081,7 @@
             </a:ln>
             <a:extLst>
               <a:ext uri="{91240B29-F687-4f45-9708-019B960494DF}">
-                <a14:hiddenLine xmlns="" xmlns:a14="http://schemas.microsoft.com/office/drawing/2010/main" w="9525">
+                <a14:hiddenLine xmlns:a14="http://schemas.microsoft.com/office/drawing/2010/main" xmlns="" w="9525">
                   <a:solidFill>
                     <a:srgbClr val="000000"/>
                   </a:solidFill>
@@ -1143,7 +1143,7 @@
             </a:ln>
             <a:extLst>
               <a:ext uri="{91240B29-F687-4f45-9708-019B960494DF}">
-                <a14:hiddenLine xmlns="" xmlns:a14="http://schemas.microsoft.com/office/drawing/2010/main" w="9525">
+                <a14:hiddenLine xmlns:a14="http://schemas.microsoft.com/office/drawing/2010/main" xmlns="" w="9525">
                   <a:solidFill>
                     <a:srgbClr val="000000"/>
                   </a:solidFill>
@@ -1253,7 +1253,7 @@
             </a:ln>
             <a:extLst>
               <a:ext uri="{91240B29-F687-4f45-9708-019B960494DF}">
-                <a14:hiddenLine xmlns="" xmlns:a14="http://schemas.microsoft.com/office/drawing/2010/main" w="9525">
+                <a14:hiddenLine xmlns:a14="http://schemas.microsoft.com/office/drawing/2010/main" xmlns="" w="9525">
                   <a:solidFill>
                     <a:srgbClr val="000000"/>
                   </a:solidFill>
@@ -1315,7 +1315,7 @@
             </a:ln>
             <a:extLst>
               <a:ext uri="{91240B29-F687-4f45-9708-019B960494DF}">
-                <a14:hiddenLine xmlns="" xmlns:a14="http://schemas.microsoft.com/office/drawing/2010/main" w="9525">
+                <a14:hiddenLine xmlns:a14="http://schemas.microsoft.com/office/drawing/2010/main" xmlns="" w="9525">
                   <a:solidFill>
                     <a:srgbClr val="000000"/>
                   </a:solidFill>
@@ -1405,7 +1405,7 @@
             </a:ln>
             <a:extLst>
               <a:ext uri="{91240B29-F687-4f45-9708-019B960494DF}">
-                <a14:hiddenLine xmlns="" xmlns:a14="http://schemas.microsoft.com/office/drawing/2010/main" w="9525">
+                <a14:hiddenLine xmlns:a14="http://schemas.microsoft.com/office/drawing/2010/main" xmlns="" w="9525">
                   <a:solidFill>
                     <a:srgbClr val="000000"/>
                   </a:solidFill>
@@ -1495,7 +1495,7 @@
             </a:ln>
             <a:extLst>
               <a:ext uri="{91240B29-F687-4f45-9708-019B960494DF}">
-                <a14:hiddenLine xmlns="" xmlns:a14="http://schemas.microsoft.com/office/drawing/2010/main" w="9525">
+                <a14:hiddenLine xmlns:a14="http://schemas.microsoft.com/office/drawing/2010/main" xmlns="" w="9525">
                   <a:solidFill>
                     <a:srgbClr val="000000"/>
                   </a:solidFill>
@@ -1557,7 +1557,7 @@
             </a:ln>
             <a:extLst>
               <a:ext uri="{91240B29-F687-4f45-9708-019B960494DF}">
-                <a14:hiddenLine xmlns="" xmlns:a14="http://schemas.microsoft.com/office/drawing/2010/main" w="9525">
+                <a14:hiddenLine xmlns:a14="http://schemas.microsoft.com/office/drawing/2010/main" xmlns="" w="9525">
                   <a:solidFill>
                     <a:srgbClr val="000000"/>
                   </a:solidFill>
@@ -1647,7 +1647,7 @@
             </a:ln>
             <a:extLst>
               <a:ext uri="{91240B29-F687-4f45-9708-019B960494DF}">
-                <a14:hiddenLine xmlns="" xmlns:a14="http://schemas.microsoft.com/office/drawing/2010/main" w="9525">
+                <a14:hiddenLine xmlns:a14="http://schemas.microsoft.com/office/drawing/2010/main" xmlns="" w="9525">
                   <a:solidFill>
                     <a:srgbClr val="000000"/>
                   </a:solidFill>
@@ -1737,7 +1737,7 @@
             </a:ln>
             <a:extLst>
               <a:ext uri="{91240B29-F687-4f45-9708-019B960494DF}">
-                <a14:hiddenLine xmlns="" xmlns:a14="http://schemas.microsoft.com/office/drawing/2010/main" w="9525">
+                <a14:hiddenLine xmlns:a14="http://schemas.microsoft.com/office/drawing/2010/main" xmlns="" w="9525">
                   <a:solidFill>
                     <a:srgbClr val="000000"/>
                   </a:solidFill>
@@ -1793,7 +1793,7 @@
             </a:ln>
             <a:extLst>
               <a:ext uri="{91240B29-F687-4f45-9708-019B960494DF}">
-                <a14:hiddenLine xmlns="" xmlns:a14="http://schemas.microsoft.com/office/drawing/2010/main" w="9525">
+                <a14:hiddenLine xmlns:a14="http://schemas.microsoft.com/office/drawing/2010/main" xmlns="" w="9525">
                   <a:solidFill>
                     <a:srgbClr val="000000"/>
                   </a:solidFill>
@@ -1883,7 +1883,7 @@
             </a:ln>
             <a:extLst>
               <a:ext uri="{91240B29-F687-4f45-9708-019B960494DF}">
-                <a14:hiddenLine xmlns="" xmlns:a14="http://schemas.microsoft.com/office/drawing/2010/main" w="9525">
+                <a14:hiddenLine xmlns:a14="http://schemas.microsoft.com/office/drawing/2010/main" xmlns="" w="9525">
                   <a:solidFill>
                     <a:srgbClr val="000000"/>
                   </a:solidFill>
@@ -1939,7 +1939,7 @@
             </a:ln>
             <a:extLst>
               <a:ext uri="{91240B29-F687-4f45-9708-019B960494DF}">
-                <a14:hiddenLine xmlns="" xmlns:a14="http://schemas.microsoft.com/office/drawing/2010/main" w="9525">
+                <a14:hiddenLine xmlns:a14="http://schemas.microsoft.com/office/drawing/2010/main" xmlns="" w="9525">
                   <a:solidFill>
                     <a:srgbClr val="000000"/>
                   </a:solidFill>
@@ -2029,7 +2029,7 @@
             </a:ln>
             <a:extLst>
               <a:ext uri="{91240B29-F687-4f45-9708-019B960494DF}">
-                <a14:hiddenLine xmlns="" xmlns:a14="http://schemas.microsoft.com/office/drawing/2010/main" w="9525">
+                <a14:hiddenLine xmlns:a14="http://schemas.microsoft.com/office/drawing/2010/main" xmlns="" w="9525">
                   <a:solidFill>
                     <a:srgbClr val="000000"/>
                   </a:solidFill>
@@ -2097,7 +2097,7 @@
             </a:ln>
             <a:extLst>
               <a:ext uri="{91240B29-F687-4f45-9708-019B960494DF}">
-                <a14:hiddenLine xmlns="" xmlns:a14="http://schemas.microsoft.com/office/drawing/2010/main" w="9525">
+                <a14:hiddenLine xmlns:a14="http://schemas.microsoft.com/office/drawing/2010/main" xmlns="" w="9525">
                   <a:solidFill>
                     <a:srgbClr val="000000"/>
                   </a:solidFill>
@@ -2187,7 +2187,7 @@
             </a:ln>
             <a:extLst>
               <a:ext uri="{91240B29-F687-4f45-9708-019B960494DF}">
-                <a14:hiddenLine xmlns="" xmlns:a14="http://schemas.microsoft.com/office/drawing/2010/main" w="9525">
+                <a14:hiddenLine xmlns:a14="http://schemas.microsoft.com/office/drawing/2010/main" xmlns="" w="9525">
                   <a:solidFill>
                     <a:srgbClr val="000000"/>
                   </a:solidFill>
@@ -2255,7 +2255,7 @@
             </a:ln>
             <a:extLst>
               <a:ext uri="{91240B29-F687-4f45-9708-019B960494DF}">
-                <a14:hiddenLine xmlns="" xmlns:a14="http://schemas.microsoft.com/office/drawing/2010/main" w="9525">
+                <a14:hiddenLine xmlns:a14="http://schemas.microsoft.com/office/drawing/2010/main" xmlns="" w="9525">
                   <a:solidFill>
                     <a:srgbClr val="000000"/>
                   </a:solidFill>
@@ -2345,7 +2345,7 @@
             </a:ln>
             <a:extLst>
               <a:ext uri="{91240B29-F687-4f45-9708-019B960494DF}">
-                <a14:hiddenLine xmlns="" xmlns:a14="http://schemas.microsoft.com/office/drawing/2010/main" w="9525">
+                <a14:hiddenLine xmlns:a14="http://schemas.microsoft.com/office/drawing/2010/main" xmlns="" w="9525">
                   <a:solidFill>
                     <a:srgbClr val="000000"/>
                   </a:solidFill>
@@ -2379,7 +2379,7 @@
             </a:ln>
             <a:extLst>
               <a:ext uri="{91240B29-F687-4f45-9708-019B960494DF}">
-                <a14:hiddenLine xmlns="" xmlns:a14="http://schemas.microsoft.com/office/drawing/2010/main" w="9525">
+                <a14:hiddenLine xmlns:a14="http://schemas.microsoft.com/office/drawing/2010/main" xmlns="" w="9525">
                   <a:solidFill>
                     <a:srgbClr val="000000"/>
                   </a:solidFill>
@@ -2469,7 +2469,7 @@
             </a:ln>
             <a:extLst>
               <a:ext uri="{91240B29-F687-4f45-9708-019B960494DF}">
-                <a14:hiddenLine xmlns="" xmlns:a14="http://schemas.microsoft.com/office/drawing/2010/main" w="9525">
+                <a14:hiddenLine xmlns:a14="http://schemas.microsoft.com/office/drawing/2010/main" xmlns="" w="9525">
                   <a:solidFill>
                     <a:srgbClr val="000000"/>
                   </a:solidFill>
@@ -2531,7 +2531,7 @@
             </a:ln>
             <a:extLst>
               <a:ext uri="{91240B29-F687-4f45-9708-019B960494DF}">
-                <a14:hiddenLine xmlns="" xmlns:a14="http://schemas.microsoft.com/office/drawing/2010/main" w="9525">
+                <a14:hiddenLine xmlns:a14="http://schemas.microsoft.com/office/drawing/2010/main" xmlns="" w="9525">
                   <a:solidFill>
                     <a:srgbClr val="000000"/>
                   </a:solidFill>
@@ -2593,7 +2593,7 @@
             </a:ln>
             <a:extLst>
               <a:ext uri="{91240B29-F687-4f45-9708-019B960494DF}">
-                <a14:hiddenLine xmlns="" xmlns:a14="http://schemas.microsoft.com/office/drawing/2010/main" w="9525">
+                <a14:hiddenLine xmlns:a14="http://schemas.microsoft.com/office/drawing/2010/main" xmlns="" w="9525">
                   <a:solidFill>
                     <a:srgbClr val="000000"/>
                   </a:solidFill>
@@ -2683,7 +2683,7 @@
             </a:ln>
             <a:extLst>
               <a:ext uri="{91240B29-F687-4f45-9708-019B960494DF}">
-                <a14:hiddenLine xmlns="" xmlns:a14="http://schemas.microsoft.com/office/drawing/2010/main" w="9525">
+                <a14:hiddenLine xmlns:a14="http://schemas.microsoft.com/office/drawing/2010/main" xmlns="" w="9525">
                   <a:solidFill>
                     <a:srgbClr val="000000"/>
                   </a:solidFill>
@@ -2751,7 +2751,7 @@
             </a:ln>
             <a:extLst>
               <a:ext uri="{91240B29-F687-4f45-9708-019B960494DF}">
-                <a14:hiddenLine xmlns="" xmlns:a14="http://schemas.microsoft.com/office/drawing/2010/main" w="9525">
+                <a14:hiddenLine xmlns:a14="http://schemas.microsoft.com/office/drawing/2010/main" xmlns="" w="9525">
                   <a:solidFill>
                     <a:srgbClr val="000000"/>
                   </a:solidFill>
@@ -2813,7 +2813,7 @@
             </a:ln>
             <a:extLst>
               <a:ext uri="{91240B29-F687-4f45-9708-019B960494DF}">
-                <a14:hiddenLine xmlns="" xmlns:a14="http://schemas.microsoft.com/office/drawing/2010/main" w="9525">
+                <a14:hiddenLine xmlns:a14="http://schemas.microsoft.com/office/drawing/2010/main" xmlns="" w="9525">
                   <a:solidFill>
                     <a:srgbClr val="000000"/>
                   </a:solidFill>
@@ -2903,7 +2903,7 @@
             </a:ln>
             <a:extLst>
               <a:ext uri="{91240B29-F687-4f45-9708-019B960494DF}">
-                <a14:hiddenLine xmlns="" xmlns:a14="http://schemas.microsoft.com/office/drawing/2010/main" w="9525">
+                <a14:hiddenLine xmlns:a14="http://schemas.microsoft.com/office/drawing/2010/main" xmlns="" w="9525">
                   <a:solidFill>
                     <a:srgbClr val="000000"/>
                   </a:solidFill>
@@ -2965,7 +2965,7 @@
             </a:ln>
             <a:extLst>
               <a:ext uri="{91240B29-F687-4f45-9708-019B960494DF}">
-                <a14:hiddenLine xmlns="" xmlns:a14="http://schemas.microsoft.com/office/drawing/2010/main" w="9525">
+                <a14:hiddenLine xmlns:a14="http://schemas.microsoft.com/office/drawing/2010/main" xmlns="" w="9525">
                   <a:solidFill>
                     <a:srgbClr val="000000"/>
                   </a:solidFill>
@@ -3055,7 +3055,7 @@
             </a:ln>
             <a:extLst>
               <a:ext uri="{91240B29-F687-4f45-9708-019B960494DF}">
-                <a14:hiddenLine xmlns="" xmlns:a14="http://schemas.microsoft.com/office/drawing/2010/main" w="9525">
+                <a14:hiddenLine xmlns:a14="http://schemas.microsoft.com/office/drawing/2010/main" xmlns="" w="9525">
                   <a:solidFill>
                     <a:srgbClr val="000000"/>
                   </a:solidFill>
@@ -3117,7 +3117,7 @@
             </a:ln>
             <a:extLst>
               <a:ext uri="{91240B29-F687-4f45-9708-019B960494DF}">
-                <a14:hiddenLine xmlns="" xmlns:a14="http://schemas.microsoft.com/office/drawing/2010/main" w="9525">
+                <a14:hiddenLine xmlns:a14="http://schemas.microsoft.com/office/drawing/2010/main" xmlns="" w="9525">
                   <a:solidFill>
                     <a:srgbClr val="000000"/>
                   </a:solidFill>
@@ -3207,7 +3207,7 @@
             </a:ln>
             <a:extLst>
               <a:ext uri="{91240B29-F687-4f45-9708-019B960494DF}">
-                <a14:hiddenLine xmlns="" xmlns:a14="http://schemas.microsoft.com/office/drawing/2010/main" w="9525">
+                <a14:hiddenLine xmlns:a14="http://schemas.microsoft.com/office/drawing/2010/main" xmlns="" w="9525">
                   <a:solidFill>
                     <a:srgbClr val="000000"/>
                   </a:solidFill>
@@ -3241,7 +3241,7 @@
             </a:ln>
             <a:extLst>
               <a:ext uri="{91240B29-F687-4f45-9708-019B960494DF}">
-                <a14:hiddenLine xmlns="" xmlns:a14="http://schemas.microsoft.com/office/drawing/2010/main" w="9525">
+                <a14:hiddenLine xmlns:a14="http://schemas.microsoft.com/office/drawing/2010/main" xmlns="" w="9525">
                   <a:solidFill>
                     <a:srgbClr val="000000"/>
                   </a:solidFill>
@@ -3306,7 +3306,7 @@
             </a:ln>
             <a:extLst>
               <a:ext uri="{91240B29-F687-4f45-9708-019B960494DF}">
-                <a14:hiddenLine xmlns="" xmlns:a14="http://schemas.microsoft.com/office/drawing/2010/main" w="9525">
+                <a14:hiddenLine xmlns:a14="http://schemas.microsoft.com/office/drawing/2010/main" xmlns="" w="9525">
                   <a:solidFill>
                     <a:srgbClr val="000000"/>
                   </a:solidFill>
@@ -3396,7 +3396,7 @@
             </a:ln>
             <a:extLst>
               <a:ext uri="{91240B29-F687-4f45-9708-019B960494DF}">
-                <a14:hiddenLine xmlns="" xmlns:a14="http://schemas.microsoft.com/office/drawing/2010/main" w="9525">
+                <a14:hiddenLine xmlns:a14="http://schemas.microsoft.com/office/drawing/2010/main" xmlns="" w="9525">
                   <a:solidFill>
                     <a:srgbClr val="000000"/>
                   </a:solidFill>
@@ -3458,7 +3458,7 @@
             </a:ln>
             <a:extLst>
               <a:ext uri="{91240B29-F687-4f45-9708-019B960494DF}">
-                <a14:hiddenLine xmlns="" xmlns:a14="http://schemas.microsoft.com/office/drawing/2010/main" w="9525">
+                <a14:hiddenLine xmlns:a14="http://schemas.microsoft.com/office/drawing/2010/main" xmlns="" w="9525">
                   <a:solidFill>
                     <a:srgbClr val="000000"/>
                   </a:solidFill>
@@ -3548,7 +3548,7 @@
             </a:ln>
             <a:extLst>
               <a:ext uri="{91240B29-F687-4f45-9708-019B960494DF}">
-                <a14:hiddenLine xmlns="" xmlns:a14="http://schemas.microsoft.com/office/drawing/2010/main" w="9525">
+                <a14:hiddenLine xmlns:a14="http://schemas.microsoft.com/office/drawing/2010/main" xmlns="" w="9525">
                   <a:solidFill>
                     <a:srgbClr val="000000"/>
                   </a:solidFill>
@@ -3638,7 +3638,7 @@
             </a:ln>
             <a:extLst>
               <a:ext uri="{91240B29-F687-4f45-9708-019B960494DF}">
-                <a14:hiddenLine xmlns="" xmlns:a14="http://schemas.microsoft.com/office/drawing/2010/main" w="9525">
+                <a14:hiddenLine xmlns:a14="http://schemas.microsoft.com/office/drawing/2010/main" xmlns="" w="9525">
                   <a:solidFill>
                     <a:srgbClr val="000000"/>
                   </a:solidFill>
@@ -3703,7 +3703,7 @@
             </a:ln>
             <a:extLst>
               <a:ext uri="{91240B29-F687-4f45-9708-019B960494DF}">
-                <a14:hiddenLine xmlns="" xmlns:a14="http://schemas.microsoft.com/office/drawing/2010/main" w="9525">
+                <a14:hiddenLine xmlns:a14="http://schemas.microsoft.com/office/drawing/2010/main" xmlns="" w="9525">
                   <a:solidFill>
                     <a:srgbClr val="000000"/>
                   </a:solidFill>
@@ -3765,7 +3765,7 @@
             </a:ln>
             <a:extLst>
               <a:ext uri="{91240B29-F687-4f45-9708-019B960494DF}">
-                <a14:hiddenLine xmlns="" xmlns:a14="http://schemas.microsoft.com/office/drawing/2010/main" w="9525">
+                <a14:hiddenLine xmlns:a14="http://schemas.microsoft.com/office/drawing/2010/main" xmlns="" w="9525">
                   <a:solidFill>
                     <a:srgbClr val="000000"/>
                   </a:solidFill>
@@ -3855,7 +3855,7 @@
             </a:ln>
             <a:extLst>
               <a:ext uri="{91240B29-F687-4f45-9708-019B960494DF}">
-                <a14:hiddenLine xmlns="" xmlns:a14="http://schemas.microsoft.com/office/drawing/2010/main" w="9525">
+                <a14:hiddenLine xmlns:a14="http://schemas.microsoft.com/office/drawing/2010/main" xmlns="" w="9525">
                   <a:solidFill>
                     <a:srgbClr val="000000"/>
                   </a:solidFill>
@@ -3945,7 +3945,7 @@
             </a:ln>
             <a:extLst>
               <a:ext uri="{91240B29-F687-4f45-9708-019B960494DF}">
-                <a14:hiddenLine xmlns="" xmlns:a14="http://schemas.microsoft.com/office/drawing/2010/main" w="9525">
+                <a14:hiddenLine xmlns:a14="http://schemas.microsoft.com/office/drawing/2010/main" xmlns="" w="9525">
                   <a:solidFill>
                     <a:srgbClr val="000000"/>
                   </a:solidFill>
@@ -4007,7 +4007,7 @@
             </a:ln>
             <a:extLst>
               <a:ext uri="{91240B29-F687-4f45-9708-019B960494DF}">
-                <a14:hiddenLine xmlns="" xmlns:a14="http://schemas.microsoft.com/office/drawing/2010/main" w="9525">
+                <a14:hiddenLine xmlns:a14="http://schemas.microsoft.com/office/drawing/2010/main" xmlns="" w="9525">
                   <a:solidFill>
                     <a:srgbClr val="000000"/>
                   </a:solidFill>
@@ -4127,7 +4127,7 @@
             </a:ln>
             <a:extLst>
               <a:ext uri="{91240B29-F687-4f45-9708-019B960494DF}">
-                <a14:hiddenLine xmlns="" xmlns:a14="http://schemas.microsoft.com/office/drawing/2010/main" w="9525">
+                <a14:hiddenLine xmlns:a14="http://schemas.microsoft.com/office/drawing/2010/main" xmlns="" w="9525">
                   <a:solidFill>
                     <a:srgbClr val="000000"/>
                   </a:solidFill>
@@ -4195,7 +4195,7 @@
             </a:ln>
             <a:extLst>
               <a:ext uri="{91240B29-F687-4f45-9708-019B960494DF}">
-                <a14:hiddenLine xmlns="" xmlns:a14="http://schemas.microsoft.com/office/drawing/2010/main" w="9525">
+                <a14:hiddenLine xmlns:a14="http://schemas.microsoft.com/office/drawing/2010/main" xmlns="" w="9525">
                   <a:solidFill>
                     <a:srgbClr val="000000"/>
                   </a:solidFill>
@@ -4285,7 +4285,7 @@
             </a:ln>
             <a:extLst>
               <a:ext uri="{91240B29-F687-4f45-9708-019B960494DF}">
-                <a14:hiddenLine xmlns="" xmlns:a14="http://schemas.microsoft.com/office/drawing/2010/main" w="9525">
+                <a14:hiddenLine xmlns:a14="http://schemas.microsoft.com/office/drawing/2010/main" xmlns="" w="9525">
                   <a:solidFill>
                     <a:srgbClr val="000000"/>
                   </a:solidFill>
@@ -9007,7 +9007,7 @@
           <a:noFill/>
           <a:extLst>
             <a:ext uri="{909E8E84-426E-40dd-AFC4-6F175D3DCCD1}">
-              <a14:hiddenFill xmlns="" xmlns:a14="http://schemas.microsoft.com/office/drawing/2010/main">
+              <a14:hiddenFill xmlns:a14="http://schemas.microsoft.com/office/drawing/2010/main" xmlns="">
                 <a:solidFill>
                   <a:srgbClr val="FFFFFF"/>
                 </a:solidFill>
@@ -9081,7 +9081,7 @@
               </a:ln>
               <a:extLst>
                 <a:ext uri="{91240B29-F687-4f45-9708-019B960494DF}">
-                  <a14:hiddenLine xmlns="" xmlns:a14="http://schemas.microsoft.com/office/drawing/2010/main" w="9525">
+                  <a14:hiddenLine xmlns:a14="http://schemas.microsoft.com/office/drawing/2010/main" xmlns="" w="9525">
                     <a:solidFill>
                       <a:srgbClr val="000000"/>
                     </a:solidFill>
@@ -9171,7 +9171,7 @@
               </a:ln>
               <a:extLst>
                 <a:ext uri="{91240B29-F687-4f45-9708-019B960494DF}">
-                  <a14:hiddenLine xmlns="" xmlns:a14="http://schemas.microsoft.com/office/drawing/2010/main" w="9525">
+                  <a14:hiddenLine xmlns:a14="http://schemas.microsoft.com/office/drawing/2010/main" xmlns="" w="9525">
                     <a:solidFill>
                       <a:srgbClr val="000000"/>
                     </a:solidFill>
@@ -9261,7 +9261,7 @@
               </a:ln>
               <a:extLst>
                 <a:ext uri="{91240B29-F687-4f45-9708-019B960494DF}">
-                  <a14:hiddenLine xmlns="" xmlns:a14="http://schemas.microsoft.com/office/drawing/2010/main" w="9525">
+                  <a14:hiddenLine xmlns:a14="http://schemas.microsoft.com/office/drawing/2010/main" xmlns="" w="9525">
                     <a:solidFill>
                       <a:srgbClr val="000000"/>
                     </a:solidFill>
@@ -9323,7 +9323,7 @@
               </a:ln>
               <a:extLst>
                 <a:ext uri="{91240B29-F687-4f45-9708-019B960494DF}">
-                  <a14:hiddenLine xmlns="" xmlns:a14="http://schemas.microsoft.com/office/drawing/2010/main" w="9525">
+                  <a14:hiddenLine xmlns:a14="http://schemas.microsoft.com/office/drawing/2010/main" xmlns="" w="9525">
                     <a:solidFill>
                       <a:srgbClr val="000000"/>
                     </a:solidFill>
@@ -9413,7 +9413,7 @@
               </a:ln>
               <a:extLst>
                 <a:ext uri="{91240B29-F687-4f45-9708-019B960494DF}">
-                  <a14:hiddenLine xmlns="" xmlns:a14="http://schemas.microsoft.com/office/drawing/2010/main" w="9525">
+                  <a14:hiddenLine xmlns:a14="http://schemas.microsoft.com/office/drawing/2010/main" xmlns="" w="9525">
                     <a:solidFill>
                       <a:srgbClr val="000000"/>
                     </a:solidFill>
@@ -9475,7 +9475,7 @@
               </a:ln>
               <a:extLst>
                 <a:ext uri="{91240B29-F687-4f45-9708-019B960494DF}">
-                  <a14:hiddenLine xmlns="" xmlns:a14="http://schemas.microsoft.com/office/drawing/2010/main" w="9525">
+                  <a14:hiddenLine xmlns:a14="http://schemas.microsoft.com/office/drawing/2010/main" xmlns="" w="9525">
                     <a:solidFill>
                       <a:srgbClr val="000000"/>
                     </a:solidFill>
@@ -9537,7 +9537,7 @@
               </a:ln>
               <a:extLst>
                 <a:ext uri="{91240B29-F687-4f45-9708-019B960494DF}">
-                  <a14:hiddenLine xmlns="" xmlns:a14="http://schemas.microsoft.com/office/drawing/2010/main" w="9525">
+                  <a14:hiddenLine xmlns:a14="http://schemas.microsoft.com/office/drawing/2010/main" xmlns="" w="9525">
                     <a:solidFill>
                       <a:srgbClr val="000000"/>
                     </a:solidFill>
@@ -9627,7 +9627,7 @@
               </a:ln>
               <a:extLst>
                 <a:ext uri="{91240B29-F687-4f45-9708-019B960494DF}">
-                  <a14:hiddenLine xmlns="" xmlns:a14="http://schemas.microsoft.com/office/drawing/2010/main" w="9525">
+                  <a14:hiddenLine xmlns:a14="http://schemas.microsoft.com/office/drawing/2010/main" xmlns="" w="9525">
                     <a:solidFill>
                       <a:srgbClr val="000000"/>
                     </a:solidFill>
@@ -9717,7 +9717,7 @@
               </a:ln>
               <a:extLst>
                 <a:ext uri="{91240B29-F687-4f45-9708-019B960494DF}">
-                  <a14:hiddenLine xmlns="" xmlns:a14="http://schemas.microsoft.com/office/drawing/2010/main" w="9525">
+                  <a14:hiddenLine xmlns:a14="http://schemas.microsoft.com/office/drawing/2010/main" xmlns="" w="9525">
                     <a:solidFill>
                       <a:srgbClr val="000000"/>
                     </a:solidFill>
@@ -9779,7 +9779,7 @@
               </a:ln>
               <a:extLst>
                 <a:ext uri="{91240B29-F687-4f45-9708-019B960494DF}">
-                  <a14:hiddenLine xmlns="" xmlns:a14="http://schemas.microsoft.com/office/drawing/2010/main" w="9525">
+                  <a14:hiddenLine xmlns:a14="http://schemas.microsoft.com/office/drawing/2010/main" xmlns="" w="9525">
                     <a:solidFill>
                       <a:srgbClr val="000000"/>
                     </a:solidFill>
@@ -9889,7 +9889,7 @@
               </a:ln>
               <a:extLst>
                 <a:ext uri="{91240B29-F687-4f45-9708-019B960494DF}">
-                  <a14:hiddenLine xmlns="" xmlns:a14="http://schemas.microsoft.com/office/drawing/2010/main" w="9525">
+                  <a14:hiddenLine xmlns:a14="http://schemas.microsoft.com/office/drawing/2010/main" xmlns="" w="9525">
                     <a:solidFill>
                       <a:srgbClr val="000000"/>
                     </a:solidFill>
@@ -9973,7 +9973,7 @@
               </a:ln>
               <a:extLst>
                 <a:ext uri="{91240B29-F687-4f45-9708-019B960494DF}">
-                  <a14:hiddenLine xmlns="" xmlns:a14="http://schemas.microsoft.com/office/drawing/2010/main" w="9525">
+                  <a14:hiddenLine xmlns:a14="http://schemas.microsoft.com/office/drawing/2010/main" xmlns="" w="9525">
                     <a:solidFill>
                       <a:srgbClr val="000000"/>
                     </a:solidFill>
@@ -10035,7 +10035,7 @@
               </a:ln>
               <a:extLst>
                 <a:ext uri="{91240B29-F687-4f45-9708-019B960494DF}">
-                  <a14:hiddenLine xmlns="" xmlns:a14="http://schemas.microsoft.com/office/drawing/2010/main" w="9525">
+                  <a14:hiddenLine xmlns:a14="http://schemas.microsoft.com/office/drawing/2010/main" xmlns="" w="9525">
                     <a:solidFill>
                       <a:srgbClr val="000000"/>
                     </a:solidFill>
@@ -10097,7 +10097,7 @@
               </a:ln>
               <a:extLst>
                 <a:ext uri="{91240B29-F687-4f45-9708-019B960494DF}">
-                  <a14:hiddenLine xmlns="" xmlns:a14="http://schemas.microsoft.com/office/drawing/2010/main" w="9525">
+                  <a14:hiddenLine xmlns:a14="http://schemas.microsoft.com/office/drawing/2010/main" xmlns="" w="9525">
                     <a:solidFill>
                       <a:srgbClr val="000000"/>
                     </a:solidFill>
@@ -10187,7 +10187,7 @@
               </a:ln>
               <a:extLst>
                 <a:ext uri="{91240B29-F687-4f45-9708-019B960494DF}">
-                  <a14:hiddenLine xmlns="" xmlns:a14="http://schemas.microsoft.com/office/drawing/2010/main" w="9525">
+                  <a14:hiddenLine xmlns:a14="http://schemas.microsoft.com/office/drawing/2010/main" xmlns="" w="9525">
                     <a:solidFill>
                       <a:srgbClr val="000000"/>
                     </a:solidFill>
@@ -10221,7 +10221,7 @@
               </a:ln>
               <a:extLst>
                 <a:ext uri="{91240B29-F687-4f45-9708-019B960494DF}">
-                  <a14:hiddenLine xmlns="" xmlns:a14="http://schemas.microsoft.com/office/drawing/2010/main" w="9525">
+                  <a14:hiddenLine xmlns:a14="http://schemas.microsoft.com/office/drawing/2010/main" xmlns="" w="9525">
                     <a:solidFill>
                       <a:srgbClr val="000000"/>
                     </a:solidFill>
@@ -10286,7 +10286,7 @@
               </a:ln>
               <a:extLst>
                 <a:ext uri="{91240B29-F687-4f45-9708-019B960494DF}">
-                  <a14:hiddenLine xmlns="" xmlns:a14="http://schemas.microsoft.com/office/drawing/2010/main" w="9525">
+                  <a14:hiddenLine xmlns:a14="http://schemas.microsoft.com/office/drawing/2010/main" xmlns="" w="9525">
                     <a:solidFill>
                       <a:srgbClr val="000000"/>
                     </a:solidFill>
@@ -10376,7 +10376,7 @@
               </a:ln>
               <a:extLst>
                 <a:ext uri="{91240B29-F687-4f45-9708-019B960494DF}">
-                  <a14:hiddenLine xmlns="" xmlns:a14="http://schemas.microsoft.com/office/drawing/2010/main" w="9525">
+                  <a14:hiddenLine xmlns:a14="http://schemas.microsoft.com/office/drawing/2010/main" xmlns="" w="9525">
                     <a:solidFill>
                       <a:srgbClr val="000000"/>
                     </a:solidFill>
@@ -10438,7 +10438,7 @@
               </a:ln>
               <a:extLst>
                 <a:ext uri="{91240B29-F687-4f45-9708-019B960494DF}">
-                  <a14:hiddenLine xmlns="" xmlns:a14="http://schemas.microsoft.com/office/drawing/2010/main" w="9525">
+                  <a14:hiddenLine xmlns:a14="http://schemas.microsoft.com/office/drawing/2010/main" xmlns="" w="9525">
                     <a:solidFill>
                       <a:srgbClr val="000000"/>
                     </a:solidFill>
@@ -10528,7 +10528,7 @@
               </a:ln>
               <a:extLst>
                 <a:ext uri="{91240B29-F687-4f45-9708-019B960494DF}">
-                  <a14:hiddenLine xmlns="" xmlns:a14="http://schemas.microsoft.com/office/drawing/2010/main" w="9525">
+                  <a14:hiddenLine xmlns:a14="http://schemas.microsoft.com/office/drawing/2010/main" xmlns="" w="9525">
                     <a:solidFill>
                       <a:srgbClr val="000000"/>
                     </a:solidFill>
@@ -10593,7 +10593,7 @@
               </a:ln>
               <a:extLst>
                 <a:ext uri="{91240B29-F687-4f45-9708-019B960494DF}">
-                  <a14:hiddenLine xmlns="" xmlns:a14="http://schemas.microsoft.com/office/drawing/2010/main" w="9525">
+                  <a14:hiddenLine xmlns:a14="http://schemas.microsoft.com/office/drawing/2010/main" xmlns="" w="9525">
                     <a:solidFill>
                       <a:srgbClr val="000000"/>
                     </a:solidFill>
@@ -10655,7 +10655,7 @@
               </a:ln>
               <a:extLst>
                 <a:ext uri="{91240B29-F687-4f45-9708-019B960494DF}">
-                  <a14:hiddenLine xmlns="" xmlns:a14="http://schemas.microsoft.com/office/drawing/2010/main" w="9525">
+                  <a14:hiddenLine xmlns:a14="http://schemas.microsoft.com/office/drawing/2010/main" xmlns="" w="9525">
                     <a:solidFill>
                       <a:srgbClr val="000000"/>
                     </a:solidFill>
@@ -10745,7 +10745,7 @@
               </a:ln>
               <a:extLst>
                 <a:ext uri="{91240B29-F687-4f45-9708-019B960494DF}">
-                  <a14:hiddenLine xmlns="" xmlns:a14="http://schemas.microsoft.com/office/drawing/2010/main" w="9525">
+                  <a14:hiddenLine xmlns:a14="http://schemas.microsoft.com/office/drawing/2010/main" xmlns="" w="9525">
                     <a:solidFill>
                       <a:srgbClr val="000000"/>
                     </a:solidFill>
@@ -10835,7 +10835,7 @@
               </a:ln>
               <a:extLst>
                 <a:ext uri="{91240B29-F687-4f45-9708-019B960494DF}">
-                  <a14:hiddenLine xmlns="" xmlns:a14="http://schemas.microsoft.com/office/drawing/2010/main" w="9525">
+                  <a14:hiddenLine xmlns:a14="http://schemas.microsoft.com/office/drawing/2010/main" xmlns="" w="9525">
                     <a:solidFill>
                       <a:srgbClr val="000000"/>
                     </a:solidFill>
@@ -10900,7 +10900,7 @@
               </a:ln>
               <a:extLst>
                 <a:ext uri="{91240B29-F687-4f45-9708-019B960494DF}">
-                  <a14:hiddenLine xmlns="" xmlns:a14="http://schemas.microsoft.com/office/drawing/2010/main" w="9525">
+                  <a14:hiddenLine xmlns:a14="http://schemas.microsoft.com/office/drawing/2010/main" xmlns="" w="9525">
                     <a:solidFill>
                       <a:srgbClr val="000000"/>
                     </a:solidFill>
@@ -11020,7 +11020,7 @@
               </a:ln>
               <a:extLst>
                 <a:ext uri="{91240B29-F687-4f45-9708-019B960494DF}">
-                  <a14:hiddenLine xmlns="" xmlns:a14="http://schemas.microsoft.com/office/drawing/2010/main" w="9525">
+                  <a14:hiddenLine xmlns:a14="http://schemas.microsoft.com/office/drawing/2010/main" xmlns="" w="9525">
                     <a:solidFill>
                       <a:srgbClr val="000000"/>
                     </a:solidFill>
@@ -11118,7 +11118,7 @@
               </a:ln>
               <a:extLst>
                 <a:ext uri="{91240B29-F687-4f45-9708-019B960494DF}">
-                  <a14:hiddenLine xmlns="" xmlns:a14="http://schemas.microsoft.com/office/drawing/2010/main" w="9525">
+                  <a14:hiddenLine xmlns:a14="http://schemas.microsoft.com/office/drawing/2010/main" xmlns="" w="9525">
                     <a:solidFill>
                       <a:srgbClr val="000000"/>
                     </a:solidFill>
@@ -11233,7 +11233,7 @@
               </a:ln>
               <a:extLst>
                 <a:ext uri="{91240B29-F687-4f45-9708-019B960494DF}">
-                  <a14:hiddenLine xmlns="" xmlns:a14="http://schemas.microsoft.com/office/drawing/2010/main" w="9525">
+                  <a14:hiddenLine xmlns:a14="http://schemas.microsoft.com/office/drawing/2010/main" xmlns="" w="9525">
                     <a:solidFill>
                       <a:srgbClr val="000000"/>
                     </a:solidFill>
@@ -11323,7 +11323,7 @@
               </a:ln>
               <a:extLst>
                 <a:ext uri="{91240B29-F687-4f45-9708-019B960494DF}">
-                  <a14:hiddenLine xmlns="" xmlns:a14="http://schemas.microsoft.com/office/drawing/2010/main" w="9525">
+                  <a14:hiddenLine xmlns:a14="http://schemas.microsoft.com/office/drawing/2010/main" xmlns="" w="9525">
                     <a:solidFill>
                       <a:srgbClr val="000000"/>
                     </a:solidFill>
@@ -11388,7 +11388,7 @@
               </a:ln>
               <a:extLst>
                 <a:ext uri="{91240B29-F687-4f45-9708-019B960494DF}">
-                  <a14:hiddenLine xmlns="" xmlns:a14="http://schemas.microsoft.com/office/drawing/2010/main" w="9525">
+                  <a14:hiddenLine xmlns:a14="http://schemas.microsoft.com/office/drawing/2010/main" xmlns="" w="9525">
                     <a:solidFill>
                       <a:srgbClr val="000000"/>
                     </a:solidFill>
@@ -11478,7 +11478,7 @@
               </a:ln>
               <a:extLst>
                 <a:ext uri="{91240B29-F687-4f45-9708-019B960494DF}">
-                  <a14:hiddenLine xmlns="" xmlns:a14="http://schemas.microsoft.com/office/drawing/2010/main" w="9525">
+                  <a14:hiddenLine xmlns:a14="http://schemas.microsoft.com/office/drawing/2010/main" xmlns="" w="9525">
                     <a:solidFill>
                       <a:srgbClr val="000000"/>
                     </a:solidFill>
@@ -11546,7 +11546,7 @@
               </a:ln>
               <a:extLst>
                 <a:ext uri="{91240B29-F687-4f45-9708-019B960494DF}">
-                  <a14:hiddenLine xmlns="" xmlns:a14="http://schemas.microsoft.com/office/drawing/2010/main" w="9525">
+                  <a14:hiddenLine xmlns:a14="http://schemas.microsoft.com/office/drawing/2010/main" xmlns="" w="9525">
                     <a:solidFill>
                       <a:srgbClr val="000000"/>
                     </a:solidFill>
@@ -11636,7 +11636,7 @@
               </a:ln>
               <a:extLst>
                 <a:ext uri="{91240B29-F687-4f45-9708-019B960494DF}">
-                  <a14:hiddenLine xmlns="" xmlns:a14="http://schemas.microsoft.com/office/drawing/2010/main" w="9525">
+                  <a14:hiddenLine xmlns:a14="http://schemas.microsoft.com/office/drawing/2010/main" xmlns="" w="9525">
                     <a:solidFill>
                       <a:srgbClr val="000000"/>
                     </a:solidFill>
@@ -11704,7 +11704,7 @@
               </a:ln>
               <a:extLst>
                 <a:ext uri="{91240B29-F687-4f45-9708-019B960494DF}">
-                  <a14:hiddenLine xmlns="" xmlns:a14="http://schemas.microsoft.com/office/drawing/2010/main" w="9525">
+                  <a14:hiddenLine xmlns:a14="http://schemas.microsoft.com/office/drawing/2010/main" xmlns="" w="9525">
                     <a:solidFill>
                       <a:srgbClr val="000000"/>
                     </a:solidFill>
@@ -11794,7 +11794,7 @@
               </a:ln>
               <a:extLst>
                 <a:ext uri="{91240B29-F687-4f45-9708-019B960494DF}">
-                  <a14:hiddenLine xmlns="" xmlns:a14="http://schemas.microsoft.com/office/drawing/2010/main" w="9525">
+                  <a14:hiddenLine xmlns:a14="http://schemas.microsoft.com/office/drawing/2010/main" xmlns="" w="9525">
                     <a:solidFill>
                       <a:srgbClr val="000000"/>
                     </a:solidFill>
@@ -11828,7 +11828,7 @@
               </a:ln>
               <a:extLst>
                 <a:ext uri="{91240B29-F687-4f45-9708-019B960494DF}">
-                  <a14:hiddenLine xmlns="" xmlns:a14="http://schemas.microsoft.com/office/drawing/2010/main" w="9525">
+                  <a14:hiddenLine xmlns:a14="http://schemas.microsoft.com/office/drawing/2010/main" xmlns="" w="9525">
                     <a:solidFill>
                       <a:srgbClr val="000000"/>
                     </a:solidFill>
@@ -12410,6 +12410,14 @@
               <a:rPr lang="ru-RU" dirty="0"/>
               <a:t>Проект</a:t>
             </a:r>
+            <a:r>
+              <a:rPr lang="en-US" dirty="0"/>
+              <a:t> </a:t>
+            </a:r>
+            <a:r>
+              <a:rPr lang="ru-RU" dirty="0"/>
+              <a:t>«Лучше чем ирисы»</a:t>
+            </a:r>
           </a:p>
         </p:txBody>
       </p:sp>
@@ -12576,12 +12584,37 @@
             <p:ph type="title"/>
           </p:nvPr>
         </p:nvSpPr>
-        <p:spPr/>
+        <p:spPr>
+          <a:xfrm>
+            <a:off x="1141414" y="307731"/>
+            <a:ext cx="9154378" cy="1204545"/>
+          </a:xfrm>
+        </p:spPr>
         <p:txBody>
-          <a:bodyPr/>
+          <a:bodyPr>
+            <a:normAutofit/>
+          </a:bodyPr>
           <a:lstStyle/>
           <a:p>
-            <a:endParaRPr lang="ru-RU"/>
+            <a:r>
+              <a:rPr lang="ru-RU" sz="2000" dirty="0"/>
+              <a:t>Записей всего- 61678</a:t>
+            </a:r>
+            <a:br>
+              <a:rPr lang="ru-RU" sz="2000" dirty="0"/>
+            </a:br>
+            <a:r>
+              <a:rPr lang="en-US" sz="2000" dirty="0"/>
+              <a:t>target=1 -  26603</a:t>
+            </a:r>
+            <a:br>
+              <a:rPr lang="en-US" sz="2000" dirty="0"/>
+            </a:br>
+            <a:r>
+              <a:rPr lang="en-US" sz="2000" dirty="0"/>
+              <a:t>target=0 -  35075</a:t>
+            </a:r>
+            <a:endParaRPr lang="ru-RU" sz="2000" dirty="0"/>
           </a:p>
         </p:txBody>
       </p:sp>
@@ -12609,7 +12642,7 @@
         </p:blipFill>
         <p:spPr>
           <a:xfrm>
-            <a:off x="1031361" y="1248508"/>
+            <a:off x="1141414" y="1512276"/>
             <a:ext cx="8532128" cy="4911969"/>
           </a:xfrm>
         </p:spPr>
@@ -12777,11 +12810,13 @@
         <p:spPr>
           <a:xfrm>
             <a:off x="860058" y="1658143"/>
-            <a:ext cx="9905999" cy="3541714"/>
+            <a:ext cx="10187353" cy="4294250"/>
           </a:xfrm>
         </p:spPr>
         <p:txBody>
-          <a:bodyPr/>
+          <a:bodyPr>
+            <a:normAutofit fontScale="92500" lnSpcReduction="20000"/>
+          </a:bodyPr>
           <a:lstStyle/>
           <a:p>
             <a:r>
@@ -12822,8 +12857,85 @@
               <a:rPr lang="fr-FR" dirty="0"/>
               <a:t> [10547     0]]</a:t>
             </a:r>
-          </a:p>
-          <a:p>
+            <a:endParaRPr lang="en-US" dirty="0"/>
+          </a:p>
+          <a:p>
+            <a:r>
+              <a:rPr lang="en-US" dirty="0"/>
+              <a:t>Accuracy </a:t>
+            </a:r>
+            <a:r>
+              <a:rPr lang="en-US" dirty="0" err="1"/>
+              <a:t>RandomForest</a:t>
+            </a:r>
+            <a:r>
+              <a:rPr lang="en-US" dirty="0"/>
+              <a:t>: 1.00		</a:t>
+            </a:r>
+            <a:r>
+              <a:rPr lang="en-US" dirty="0" err="1"/>
+              <a:t>GradientBoosting</a:t>
+            </a:r>
+            <a:r>
+              <a:rPr lang="en-US" dirty="0"/>
+              <a:t>: 0.9939</a:t>
+            </a:r>
+          </a:p>
+          <a:p>
+            <a:r>
+              <a:rPr lang="en-US" dirty="0" err="1"/>
+              <a:t>CatBoost</a:t>
+            </a:r>
+            <a:r>
+              <a:rPr lang="en-US" dirty="0"/>
+              <a:t>: 0.9950			AdaBoost: 0.9913</a:t>
+            </a:r>
+          </a:p>
+          <a:p>
+            <a:r>
+              <a:rPr lang="en-US" dirty="0" err="1"/>
+              <a:t>ExtraTrees</a:t>
+            </a:r>
+            <a:r>
+              <a:rPr lang="en-US" dirty="0"/>
+              <a:t>: 0.9946			</a:t>
+            </a:r>
+            <a:r>
+              <a:rPr lang="en-US" dirty="0" err="1"/>
+              <a:t>QuadraticDiscriminantAnalysis</a:t>
+            </a:r>
+            <a:r>
+              <a:rPr lang="en-US" dirty="0"/>
+              <a:t>: 0.8402</a:t>
+            </a:r>
+          </a:p>
+          <a:p>
+            <a:r>
+              <a:rPr lang="en-US" dirty="0" err="1"/>
+              <a:t>KNeighbors</a:t>
+            </a:r>
+            <a:r>
+              <a:rPr lang="en-US" dirty="0"/>
+              <a:t>: 0.9910			</a:t>
+            </a:r>
+            <a:r>
+              <a:rPr lang="en-US" dirty="0" err="1"/>
+              <a:t>DecisionTree</a:t>
+            </a:r>
+            <a:r>
+              <a:rPr lang="en-US" dirty="0"/>
+              <a:t>: 0.9935</a:t>
+            </a:r>
+          </a:p>
+          <a:p>
+            <a:r>
+              <a:rPr lang="en-US" dirty="0" err="1"/>
+              <a:t>XGBoost</a:t>
+            </a:r>
+            <a:r>
+              <a:rPr lang="en-US" dirty="0"/>
+              <a:t>: 0.9944</a:t>
+            </a:r>
             <a:endParaRPr lang="ru-RU" dirty="0"/>
           </a:p>
         </p:txBody>
@@ -12844,16 +12956,20 @@
             <p:ph type="title"/>
           </p:nvPr>
         </p:nvSpPr>
-        <p:spPr/>
+        <p:spPr>
+          <a:xfrm>
+            <a:off x="1141413" y="316524"/>
+            <a:ext cx="9905998" cy="844062"/>
+          </a:xfrm>
+        </p:spPr>
         <p:txBody>
           <a:bodyPr/>
           <a:lstStyle/>
           <a:p>
             <a:r>
-              <a:rPr lang="en-US" dirty="0"/>
-              <a:t>Dummy classifier</a:t>
-            </a:r>
-            <a:endParaRPr lang="ru-RU" dirty="0"/>
+              <a:rPr lang="ru-RU" dirty="0"/>
+              <a:t>Методы и метрики</a:t>
+            </a:r>
           </a:p>
         </p:txBody>
       </p:sp>

--- a/project/Проект.pptx
+++ b/project/Проект.pptx
@@ -18,6 +18,14 @@
     <p:sldId id="265" r:id="rId12"/>
     <p:sldId id="266" r:id="rId13"/>
     <p:sldId id="267" r:id="rId14"/>
+    <p:sldId id="269" r:id="rId15"/>
+    <p:sldId id="270" r:id="rId16"/>
+    <p:sldId id="271" r:id="rId17"/>
+    <p:sldId id="275" r:id="rId18"/>
+    <p:sldId id="274" r:id="rId19"/>
+    <p:sldId id="273" r:id="rId20"/>
+    <p:sldId id="276" r:id="rId21"/>
+    <p:sldId id="272" r:id="rId22"/>
   </p:sldIdLst>
   <p:sldSz cx="12192000" cy="6858000"/>
   <p:notesSz cx="6858000" cy="9144000"/>
@@ -138,6 +146,14 @@
             <p14:sldId id="265"/>
             <p14:sldId id="266"/>
             <p14:sldId id="267"/>
+            <p14:sldId id="269"/>
+            <p14:sldId id="270"/>
+            <p14:sldId id="271"/>
+            <p14:sldId id="275"/>
+            <p14:sldId id="274"/>
+            <p14:sldId id="273"/>
+            <p14:sldId id="276"/>
+            <p14:sldId id="272"/>
           </p14:sldIdLst>
         </p14:section>
       </p14:sectionLst>
@@ -4425,7 +4441,7 @@
           <a:p>
             <a:fld id="{48A87A34-81AB-432B-8DAE-1953F412C126}" type="datetimeFigureOut">
               <a:rPr lang="en-US" dirty="0"/>
-              <a:t>6/11/2024</a:t>
+              <a:t>6/12/2024</a:t>
             </a:fld>
             <a:endParaRPr lang="en-US" dirty="0"/>
           </a:p>
@@ -4687,7 +4703,7 @@
           <a:p>
             <a:fld id="{48A87A34-81AB-432B-8DAE-1953F412C126}" type="datetimeFigureOut">
               <a:rPr lang="en-US" dirty="0"/>
-              <a:t>6/11/2024</a:t>
+              <a:t>6/12/2024</a:t>
             </a:fld>
             <a:endParaRPr lang="en-US" dirty="0"/>
           </a:p>
@@ -4878,7 +4894,7 @@
           <a:p>
             <a:fld id="{48A87A34-81AB-432B-8DAE-1953F412C126}" type="datetimeFigureOut">
               <a:rPr lang="en-US" dirty="0"/>
-              <a:t>6/11/2024</a:t>
+              <a:t>6/12/2024</a:t>
             </a:fld>
             <a:endParaRPr lang="en-US" dirty="0"/>
           </a:p>
@@ -5136,7 +5152,7 @@
           <a:p>
             <a:fld id="{48A87A34-81AB-432B-8DAE-1953F412C126}" type="datetimeFigureOut">
               <a:rPr lang="en-US" dirty="0"/>
-              <a:t>6/11/2024</a:t>
+              <a:t>6/12/2024</a:t>
             </a:fld>
             <a:endParaRPr lang="en-US" dirty="0"/>
           </a:p>
@@ -5565,7 +5581,7 @@
           <a:p>
             <a:fld id="{48A87A34-81AB-432B-8DAE-1953F412C126}" type="datetimeFigureOut">
               <a:rPr lang="en-US" dirty="0"/>
-              <a:t>6/11/2024</a:t>
+              <a:t>6/12/2024</a:t>
             </a:fld>
             <a:endParaRPr lang="en-US" dirty="0"/>
           </a:p>
@@ -6106,7 +6122,7 @@
           <a:p>
             <a:fld id="{48A87A34-81AB-432B-8DAE-1953F412C126}" type="datetimeFigureOut">
               <a:rPr lang="en-US" dirty="0"/>
-              <a:t>6/11/2024</a:t>
+              <a:t>6/12/2024</a:t>
             </a:fld>
             <a:endParaRPr lang="en-US" dirty="0"/>
           </a:p>
@@ -6821,7 +6837,7 @@
           <a:p>
             <a:fld id="{48A87A34-81AB-432B-8DAE-1953F412C126}" type="datetimeFigureOut">
               <a:rPr lang="en-US" dirty="0"/>
-              <a:t>6/11/2024</a:t>
+              <a:t>6/12/2024</a:t>
             </a:fld>
             <a:endParaRPr lang="en-US" dirty="0"/>
           </a:p>
@@ -6986,7 +7002,7 @@
           <a:p>
             <a:fld id="{48A87A34-81AB-432B-8DAE-1953F412C126}" type="datetimeFigureOut">
               <a:rPr lang="en-US" dirty="0"/>
-              <a:t>6/11/2024</a:t>
+              <a:t>6/12/2024</a:t>
             </a:fld>
             <a:endParaRPr lang="en-US" dirty="0"/>
           </a:p>
@@ -7161,7 +7177,7 @@
           <a:p>
             <a:fld id="{48A87A34-81AB-432B-8DAE-1953F412C126}" type="datetimeFigureOut">
               <a:rPr lang="en-US" dirty="0"/>
-              <a:t>6/11/2024</a:t>
+              <a:t>6/12/2024</a:t>
             </a:fld>
             <a:endParaRPr lang="en-US" dirty="0"/>
           </a:p>
@@ -7326,7 +7342,7 @@
           <a:p>
             <a:fld id="{48A87A34-81AB-432B-8DAE-1953F412C126}" type="datetimeFigureOut">
               <a:rPr lang="en-US" dirty="0"/>
-              <a:t>6/11/2024</a:t>
+              <a:t>6/12/2024</a:t>
             </a:fld>
             <a:endParaRPr lang="en-US" dirty="0"/>
           </a:p>
@@ -7571,7 +7587,7 @@
           <a:p>
             <a:fld id="{48A87A34-81AB-432B-8DAE-1953F412C126}" type="datetimeFigureOut">
               <a:rPr lang="en-US" dirty="0"/>
-              <a:t>6/11/2024</a:t>
+              <a:t>6/12/2024</a:t>
             </a:fld>
             <a:endParaRPr lang="en-US" dirty="0"/>
           </a:p>
@@ -7798,7 +7814,7 @@
           <a:p>
             <a:fld id="{48A87A34-81AB-432B-8DAE-1953F412C126}" type="datetimeFigureOut">
               <a:rPr lang="en-US" dirty="0"/>
-              <a:t>6/11/2024</a:t>
+              <a:t>6/12/2024</a:t>
             </a:fld>
             <a:endParaRPr lang="en-US" dirty="0"/>
           </a:p>
@@ -8174,7 +8190,7 @@
           <a:p>
             <a:fld id="{48A87A34-81AB-432B-8DAE-1953F412C126}" type="datetimeFigureOut">
               <a:rPr lang="en-US" dirty="0"/>
-              <a:t>6/11/2024</a:t>
+              <a:t>6/12/2024</a:t>
             </a:fld>
             <a:endParaRPr lang="en-US" dirty="0"/>
           </a:p>
@@ -8287,7 +8303,7 @@
           <a:p>
             <a:fld id="{48A87A34-81AB-432B-8DAE-1953F412C126}" type="datetimeFigureOut">
               <a:rPr lang="en-US" dirty="0"/>
-              <a:t>6/11/2024</a:t>
+              <a:t>6/12/2024</a:t>
             </a:fld>
             <a:endParaRPr lang="en-US" dirty="0"/>
           </a:p>
@@ -8377,7 +8393,7 @@
           <a:p>
             <a:fld id="{48A87A34-81AB-432B-8DAE-1953F412C126}" type="datetimeFigureOut">
               <a:rPr lang="en-US" dirty="0"/>
-              <a:t>6/11/2024</a:t>
+              <a:t>6/12/2024</a:t>
             </a:fld>
             <a:endParaRPr lang="en-US" dirty="0"/>
           </a:p>
@@ -8621,7 +8637,7 @@
           <a:p>
             <a:fld id="{48A87A34-81AB-432B-8DAE-1953F412C126}" type="datetimeFigureOut">
               <a:rPr lang="en-US" dirty="0"/>
-              <a:t>6/11/2024</a:t>
+              <a:t>6/12/2024</a:t>
             </a:fld>
             <a:endParaRPr lang="en-US" dirty="0"/>
           </a:p>
@@ -8896,7 +8912,7 @@
           <a:p>
             <a:fld id="{48A87A34-81AB-432B-8DAE-1953F412C126}" type="datetimeFigureOut">
               <a:rPr lang="en-US" dirty="0"/>
-              <a:t>6/11/2024</a:t>
+              <a:t>6/12/2024</a:t>
             </a:fld>
             <a:endParaRPr lang="en-US" dirty="0"/>
           </a:p>
@@ -11969,7 +11985,7 @@
             <a:fld id="{48A87A34-81AB-432B-8DAE-1953F412C126}" type="datetimeFigureOut">
               <a:rPr lang="en-US" dirty="0"/>
               <a:pPr/>
-              <a:t>6/11/2024</a:t>
+              <a:t>6/12/2024</a:t>
             </a:fld>
             <a:endParaRPr lang="en-US" dirty="0"/>
           </a:p>
@@ -12446,6 +12462,14 @@
               <a:rPr lang="ru-RU" dirty="0"/>
               <a:t>Разочарование и боль!</a:t>
             </a:r>
+            <a:r>
+              <a:rPr lang="en-US" dirty="0"/>
+              <a:t> </a:t>
+            </a:r>
+            <a:r>
+              <a:rPr lang="ru-RU" dirty="0"/>
+              <a:t>Но есть надежда!</a:t>
+            </a:r>
           </a:p>
         </p:txBody>
       </p:sp>
@@ -12958,17 +12982,42 @@
         </p:nvSpPr>
         <p:spPr>
           <a:xfrm>
-            <a:off x="1141413" y="316524"/>
-            <a:ext cx="9905998" cy="844062"/>
+            <a:off x="1141413" y="316523"/>
+            <a:ext cx="9905998" cy="1081453"/>
           </a:xfrm>
         </p:spPr>
         <p:txBody>
-          <a:bodyPr/>
+          <a:bodyPr>
+            <a:normAutofit/>
+          </a:bodyPr>
           <a:lstStyle/>
           <a:p>
             <a:r>
               <a:rPr lang="ru-RU" dirty="0"/>
               <a:t>Методы и метрики</a:t>
+            </a:r>
+            <a:r>
+              <a:rPr lang="en-US" dirty="0"/>
+              <a:t> (</a:t>
+            </a:r>
+            <a:r>
+              <a:rPr lang="ru-RU" dirty="0"/>
+              <a:t>без </a:t>
+            </a:r>
+            <a:r>
+              <a:rPr lang="en-US" dirty="0" err="1"/>
+              <a:t>pycaret</a:t>
+            </a:r>
+            <a:r>
+              <a:rPr lang="en-US" dirty="0"/>
+              <a:t>)</a:t>
+            </a:r>
+            <a:br>
+              <a:rPr lang="en-US" dirty="0"/>
+            </a:br>
+            <a:r>
+              <a:rPr lang="ru-RU" dirty="0"/>
+              <a:t>все равно, что есть борщ вилкой!!!</a:t>
             </a:r>
           </a:p>
         </p:txBody>
@@ -12977,6 +13026,750 @@
     <p:extLst>
       <p:ext uri="{BB962C8B-B14F-4D97-AF65-F5344CB8AC3E}">
         <p14:creationId xmlns:p14="http://schemas.microsoft.com/office/powerpoint/2010/main" val="837201235"/>
+      </p:ext>
+    </p:extLst>
+  </p:cSld>
+  <p:clrMapOvr>
+    <a:masterClrMapping/>
+  </p:clrMapOvr>
+</p:sld>
+</file>
+
+<file path=ppt/slides/slide14.xml><?xml version="1.0" encoding="utf-8"?>
+<p:sld xmlns:a="http://schemas.openxmlformats.org/drawingml/2006/main" xmlns:r="http://schemas.openxmlformats.org/officeDocument/2006/relationships" xmlns:p="http://schemas.openxmlformats.org/presentationml/2006/main">
+  <p:cSld>
+    <p:spTree>
+      <p:nvGrpSpPr>
+        <p:cNvPr id="1" name=""/>
+        <p:cNvGrpSpPr/>
+        <p:nvPr/>
+      </p:nvGrpSpPr>
+      <p:grpSpPr>
+        <a:xfrm>
+          <a:off x="0" y="0"/>
+          <a:ext cx="0" cy="0"/>
+          <a:chOff x="0" y="0"/>
+          <a:chExt cx="0" cy="0"/>
+        </a:xfrm>
+      </p:grpSpPr>
+      <p:sp>
+        <p:nvSpPr>
+          <p:cNvPr id="2" name="Заголовок 1">
+            <a:extLst>
+              <a:ext uri="{FF2B5EF4-FFF2-40B4-BE49-F238E27FC236}">
+                <a16:creationId xmlns:a16="http://schemas.microsoft.com/office/drawing/2014/main" id="{8393838E-48A9-4D88-B7CA-83B49EF2F80E}"/>
+              </a:ext>
+            </a:extLst>
+          </p:cNvPr>
+          <p:cNvSpPr>
+            <a:spLocks noGrp="1"/>
+          </p:cNvSpPr>
+          <p:nvPr>
+            <p:ph type="title"/>
+          </p:nvPr>
+        </p:nvSpPr>
+        <p:spPr>
+          <a:xfrm>
+            <a:off x="1141413" y="263770"/>
+            <a:ext cx="9905998" cy="553915"/>
+          </a:xfrm>
+        </p:spPr>
+        <p:txBody>
+          <a:bodyPr>
+            <a:normAutofit fontScale="90000"/>
+          </a:bodyPr>
+          <a:lstStyle/>
+          <a:p>
+            <a:r>
+              <a:rPr lang="ru-RU" dirty="0"/>
+              <a:t>Методы и метрики</a:t>
+            </a:r>
+            <a:r>
+              <a:rPr lang="en-US" dirty="0"/>
+              <a:t> (c</a:t>
+            </a:r>
+            <a:r>
+              <a:rPr lang="ru-RU" dirty="0"/>
+              <a:t> </a:t>
+            </a:r>
+            <a:r>
+              <a:rPr lang="en-US" dirty="0" err="1"/>
+              <a:t>pycaret</a:t>
+            </a:r>
+            <a:r>
+              <a:rPr lang="en-US" dirty="0"/>
+              <a:t>)</a:t>
+            </a:r>
+            <a:endParaRPr lang="ru-RU" dirty="0"/>
+          </a:p>
+        </p:txBody>
+      </p:sp>
+      <p:sp>
+        <p:nvSpPr>
+          <p:cNvPr id="3" name="Объект 2">
+            <a:extLst>
+              <a:ext uri="{FF2B5EF4-FFF2-40B4-BE49-F238E27FC236}">
+                <a16:creationId xmlns:a16="http://schemas.microsoft.com/office/drawing/2014/main" id="{30312F0A-2E75-4C7E-8C03-A079B317AE3C}"/>
+              </a:ext>
+            </a:extLst>
+          </p:cNvPr>
+          <p:cNvSpPr>
+            <a:spLocks noGrp="1"/>
+          </p:cNvSpPr>
+          <p:nvPr>
+            <p:ph idx="1"/>
+          </p:nvPr>
+        </p:nvSpPr>
+        <p:spPr>
+          <a:xfrm>
+            <a:off x="1141412" y="1046285"/>
+            <a:ext cx="9905999" cy="4744916"/>
+          </a:xfrm>
+        </p:spPr>
+        <p:txBody>
+          <a:bodyPr>
+            <a:normAutofit/>
+          </a:bodyPr>
+          <a:lstStyle/>
+          <a:p>
+            <a:r>
+              <a:rPr lang="en-US" dirty="0"/>
+              <a:t> </a:t>
+            </a:r>
+            <a:endParaRPr lang="ru-RU" dirty="0"/>
+          </a:p>
+        </p:txBody>
+      </p:sp>
+      <p:pic>
+        <p:nvPicPr>
+          <p:cNvPr id="5" name="Рисунок 4">
+            <a:extLst>
+              <a:ext uri="{FF2B5EF4-FFF2-40B4-BE49-F238E27FC236}">
+                <a16:creationId xmlns:a16="http://schemas.microsoft.com/office/drawing/2014/main" id="{853157A4-CA4D-40BC-951D-B95B3BB95C5B}"/>
+              </a:ext>
+            </a:extLst>
+          </p:cNvPr>
+          <p:cNvPicPr>
+            <a:picLocks noChangeAspect="1"/>
+          </p:cNvPicPr>
+          <p:nvPr/>
+        </p:nvPicPr>
+        <p:blipFill>
+          <a:blip r:embed="rId2"/>
+          <a:stretch>
+            <a:fillRect/>
+          </a:stretch>
+        </p:blipFill>
+        <p:spPr>
+          <a:xfrm>
+            <a:off x="4037011" y="1474177"/>
+            <a:ext cx="4114800" cy="4419600"/>
+          </a:xfrm>
+          <a:prstGeom prst="rect">
+            <a:avLst/>
+          </a:prstGeom>
+        </p:spPr>
+      </p:pic>
+    </p:spTree>
+    <p:extLst>
+      <p:ext uri="{BB962C8B-B14F-4D97-AF65-F5344CB8AC3E}">
+        <p14:creationId xmlns:p14="http://schemas.microsoft.com/office/powerpoint/2010/main" val="2391418986"/>
+      </p:ext>
+    </p:extLst>
+  </p:cSld>
+  <p:clrMapOvr>
+    <a:masterClrMapping/>
+  </p:clrMapOvr>
+</p:sld>
+</file>
+
+<file path=ppt/slides/slide15.xml><?xml version="1.0" encoding="utf-8"?>
+<p:sld xmlns:a="http://schemas.openxmlformats.org/drawingml/2006/main" xmlns:r="http://schemas.openxmlformats.org/officeDocument/2006/relationships" xmlns:p="http://schemas.openxmlformats.org/presentationml/2006/main">
+  <p:cSld>
+    <p:spTree>
+      <p:nvGrpSpPr>
+        <p:cNvPr id="1" name=""/>
+        <p:cNvGrpSpPr/>
+        <p:nvPr/>
+      </p:nvGrpSpPr>
+      <p:grpSpPr>
+        <a:xfrm>
+          <a:off x="0" y="0"/>
+          <a:ext cx="0" cy="0"/>
+          <a:chOff x="0" y="0"/>
+          <a:chExt cx="0" cy="0"/>
+        </a:xfrm>
+      </p:grpSpPr>
+      <p:sp>
+        <p:nvSpPr>
+          <p:cNvPr id="2" name="Заголовок 1">
+            <a:extLst>
+              <a:ext uri="{FF2B5EF4-FFF2-40B4-BE49-F238E27FC236}">
+                <a16:creationId xmlns:a16="http://schemas.microsoft.com/office/drawing/2014/main" id="{AC2E28B8-9125-46CD-B9D1-B857D5FAF2F4}"/>
+              </a:ext>
+            </a:extLst>
+          </p:cNvPr>
+          <p:cNvSpPr>
+            <a:spLocks noGrp="1"/>
+          </p:cNvSpPr>
+          <p:nvPr>
+            <p:ph type="title"/>
+          </p:nvPr>
+        </p:nvSpPr>
+        <p:spPr/>
+        <p:txBody>
+          <a:bodyPr/>
+          <a:lstStyle/>
+          <a:p>
+            <a:endParaRPr lang="ru-RU" dirty="0"/>
+          </a:p>
+        </p:txBody>
+      </p:sp>
+      <p:pic>
+        <p:nvPicPr>
+          <p:cNvPr id="7" name="Объект 6">
+            <a:extLst>
+              <a:ext uri="{FF2B5EF4-FFF2-40B4-BE49-F238E27FC236}">
+                <a16:creationId xmlns:a16="http://schemas.microsoft.com/office/drawing/2014/main" id="{FCFAFF2B-5831-4E20-9800-FB41BE9B90D3}"/>
+              </a:ext>
+            </a:extLst>
+          </p:cNvPr>
+          <p:cNvPicPr>
+            <a:picLocks noGrp="1" noChangeAspect="1"/>
+          </p:cNvPicPr>
+          <p:nvPr>
+            <p:ph idx="1"/>
+          </p:nvPr>
+        </p:nvPicPr>
+        <p:blipFill>
+          <a:blip r:embed="rId2"/>
+          <a:stretch>
+            <a:fillRect/>
+          </a:stretch>
+        </p:blipFill>
+        <p:spPr>
+          <a:xfrm>
+            <a:off x="7305795" y="396874"/>
+            <a:ext cx="3638550" cy="3400425"/>
+          </a:xfrm>
+        </p:spPr>
+      </p:pic>
+      <p:pic>
+        <p:nvPicPr>
+          <p:cNvPr id="5" name="Рисунок 4">
+            <a:extLst>
+              <a:ext uri="{FF2B5EF4-FFF2-40B4-BE49-F238E27FC236}">
+                <a16:creationId xmlns:a16="http://schemas.microsoft.com/office/drawing/2014/main" id="{79076F45-E11C-47FF-A4E7-41CC62B215D8}"/>
+              </a:ext>
+            </a:extLst>
+          </p:cNvPr>
+          <p:cNvPicPr>
+            <a:picLocks noChangeAspect="1"/>
+          </p:cNvPicPr>
+          <p:nvPr/>
+        </p:nvPicPr>
+        <p:blipFill>
+          <a:blip r:embed="rId3"/>
+          <a:stretch>
+            <a:fillRect/>
+          </a:stretch>
+        </p:blipFill>
+        <p:spPr>
+          <a:xfrm>
+            <a:off x="610699" y="473075"/>
+            <a:ext cx="6029325" cy="3248025"/>
+          </a:xfrm>
+          <a:prstGeom prst="rect">
+            <a:avLst/>
+          </a:prstGeom>
+        </p:spPr>
+      </p:pic>
+      <p:pic>
+        <p:nvPicPr>
+          <p:cNvPr id="8" name="Объект 10">
+            <a:extLst>
+              <a:ext uri="{FF2B5EF4-FFF2-40B4-BE49-F238E27FC236}">
+                <a16:creationId xmlns:a16="http://schemas.microsoft.com/office/drawing/2014/main" id="{7DA2EC75-E793-4296-9A00-46E7A8720D3F}"/>
+              </a:ext>
+            </a:extLst>
+          </p:cNvPr>
+          <p:cNvPicPr>
+            <a:picLocks noChangeAspect="1"/>
+          </p:cNvPicPr>
+          <p:nvPr/>
+        </p:nvPicPr>
+        <p:blipFill>
+          <a:blip r:embed="rId4"/>
+          <a:stretch>
+            <a:fillRect/>
+          </a:stretch>
+        </p:blipFill>
+        <p:spPr>
+          <a:xfrm>
+            <a:off x="2035297" y="4331739"/>
+            <a:ext cx="7010400" cy="1714500"/>
+          </a:xfrm>
+          <a:prstGeom prst="rect">
+            <a:avLst/>
+          </a:prstGeom>
+        </p:spPr>
+      </p:pic>
+    </p:spTree>
+    <p:extLst>
+      <p:ext uri="{BB962C8B-B14F-4D97-AF65-F5344CB8AC3E}">
+        <p14:creationId xmlns:p14="http://schemas.microsoft.com/office/powerpoint/2010/main" val="2672419222"/>
+      </p:ext>
+    </p:extLst>
+  </p:cSld>
+  <p:clrMapOvr>
+    <a:masterClrMapping/>
+  </p:clrMapOvr>
+</p:sld>
+</file>
+
+<file path=ppt/slides/slide16.xml><?xml version="1.0" encoding="utf-8"?>
+<p:sld xmlns:a="http://schemas.openxmlformats.org/drawingml/2006/main" xmlns:r="http://schemas.openxmlformats.org/officeDocument/2006/relationships" xmlns:p="http://schemas.openxmlformats.org/presentationml/2006/main">
+  <p:cSld>
+    <p:spTree>
+      <p:nvGrpSpPr>
+        <p:cNvPr id="1" name=""/>
+        <p:cNvGrpSpPr/>
+        <p:nvPr/>
+      </p:nvGrpSpPr>
+      <p:grpSpPr>
+        <a:xfrm>
+          <a:off x="0" y="0"/>
+          <a:ext cx="0" cy="0"/>
+          <a:chOff x="0" y="0"/>
+          <a:chExt cx="0" cy="0"/>
+        </a:xfrm>
+      </p:grpSpPr>
+      <p:sp>
+        <p:nvSpPr>
+          <p:cNvPr id="2" name="Заголовок 1">
+            <a:extLst>
+              <a:ext uri="{FF2B5EF4-FFF2-40B4-BE49-F238E27FC236}">
+                <a16:creationId xmlns:a16="http://schemas.microsoft.com/office/drawing/2014/main" id="{7F15F2B9-474E-4A14-B5AB-C0C9BC2BB796}"/>
+              </a:ext>
+            </a:extLst>
+          </p:cNvPr>
+          <p:cNvSpPr>
+            <a:spLocks noGrp="1"/>
+          </p:cNvSpPr>
+          <p:nvPr>
+            <p:ph type="title"/>
+          </p:nvPr>
+        </p:nvSpPr>
+        <p:spPr/>
+        <p:txBody>
+          <a:bodyPr/>
+          <a:lstStyle/>
+          <a:p>
+            <a:endParaRPr lang="ru-RU"/>
+          </a:p>
+        </p:txBody>
+      </p:sp>
+      <p:sp>
+        <p:nvSpPr>
+          <p:cNvPr id="3" name="Объект 2">
+            <a:extLst>
+              <a:ext uri="{FF2B5EF4-FFF2-40B4-BE49-F238E27FC236}">
+                <a16:creationId xmlns:a16="http://schemas.microsoft.com/office/drawing/2014/main" id="{5FA30880-36B7-4283-A619-141057271C86}"/>
+              </a:ext>
+            </a:extLst>
+          </p:cNvPr>
+          <p:cNvSpPr>
+            <a:spLocks noGrp="1"/>
+          </p:cNvSpPr>
+          <p:nvPr>
+            <p:ph idx="1"/>
+          </p:nvPr>
+        </p:nvSpPr>
+        <p:spPr/>
+        <p:txBody>
+          <a:bodyPr/>
+          <a:lstStyle/>
+          <a:p>
+            <a:endParaRPr lang="ru-RU"/>
+          </a:p>
+        </p:txBody>
+      </p:sp>
+      <p:pic>
+        <p:nvPicPr>
+          <p:cNvPr id="5" name="Рисунок 4">
+            <a:extLst>
+              <a:ext uri="{FF2B5EF4-FFF2-40B4-BE49-F238E27FC236}">
+                <a16:creationId xmlns:a16="http://schemas.microsoft.com/office/drawing/2014/main" id="{1B89244A-6D51-4B87-BE8E-F7DD1AE21D54}"/>
+              </a:ext>
+            </a:extLst>
+          </p:cNvPr>
+          <p:cNvPicPr>
+            <a:picLocks noChangeAspect="1"/>
+          </p:cNvPicPr>
+          <p:nvPr/>
+        </p:nvPicPr>
+        <p:blipFill>
+          <a:blip r:embed="rId2"/>
+          <a:stretch>
+            <a:fillRect/>
+          </a:stretch>
+        </p:blipFill>
+        <p:spPr>
+          <a:xfrm>
+            <a:off x="1977537" y="457200"/>
+            <a:ext cx="7639050" cy="5943600"/>
+          </a:xfrm>
+          <a:prstGeom prst="rect">
+            <a:avLst/>
+          </a:prstGeom>
+        </p:spPr>
+      </p:pic>
+    </p:spTree>
+    <p:extLst>
+      <p:ext uri="{BB962C8B-B14F-4D97-AF65-F5344CB8AC3E}">
+        <p14:creationId xmlns:p14="http://schemas.microsoft.com/office/powerpoint/2010/main" val="435968217"/>
+      </p:ext>
+    </p:extLst>
+  </p:cSld>
+  <p:clrMapOvr>
+    <a:masterClrMapping/>
+  </p:clrMapOvr>
+</p:sld>
+</file>
+
+<file path=ppt/slides/slide17.xml><?xml version="1.0" encoding="utf-8"?>
+<p:sld xmlns:a="http://schemas.openxmlformats.org/drawingml/2006/main" xmlns:r="http://schemas.openxmlformats.org/officeDocument/2006/relationships" xmlns:p="http://schemas.openxmlformats.org/presentationml/2006/main">
+  <p:cSld>
+    <p:spTree>
+      <p:nvGrpSpPr>
+        <p:cNvPr id="1" name=""/>
+        <p:cNvGrpSpPr/>
+        <p:nvPr/>
+      </p:nvGrpSpPr>
+      <p:grpSpPr>
+        <a:xfrm>
+          <a:off x="0" y="0"/>
+          <a:ext cx="0" cy="0"/>
+          <a:chOff x="0" y="0"/>
+          <a:chExt cx="0" cy="0"/>
+        </a:xfrm>
+      </p:grpSpPr>
+      <p:sp>
+        <p:nvSpPr>
+          <p:cNvPr id="2" name="Заголовок 1">
+            <a:extLst>
+              <a:ext uri="{FF2B5EF4-FFF2-40B4-BE49-F238E27FC236}">
+                <a16:creationId xmlns:a16="http://schemas.microsoft.com/office/drawing/2014/main" id="{696BE5E6-C81D-4B73-B3A2-D0743C0DC244}"/>
+              </a:ext>
+            </a:extLst>
+          </p:cNvPr>
+          <p:cNvSpPr>
+            <a:spLocks noGrp="1"/>
+          </p:cNvSpPr>
+          <p:nvPr>
+            <p:ph type="title"/>
+          </p:nvPr>
+        </p:nvSpPr>
+        <p:spPr/>
+        <p:txBody>
+          <a:bodyPr/>
+          <a:lstStyle/>
+          <a:p>
+            <a:endParaRPr lang="ru-RU"/>
+          </a:p>
+        </p:txBody>
+      </p:sp>
+      <p:pic>
+        <p:nvPicPr>
+          <p:cNvPr id="5" name="Объект 4">
+            <a:extLst>
+              <a:ext uri="{FF2B5EF4-FFF2-40B4-BE49-F238E27FC236}">
+                <a16:creationId xmlns:a16="http://schemas.microsoft.com/office/drawing/2014/main" id="{05B24E73-82B8-4BD0-9AF7-749CB777A050}"/>
+              </a:ext>
+            </a:extLst>
+          </p:cNvPr>
+          <p:cNvPicPr>
+            <a:picLocks noGrp="1" noChangeAspect="1"/>
+          </p:cNvPicPr>
+          <p:nvPr>
+            <p:ph idx="1"/>
+          </p:nvPr>
+        </p:nvPicPr>
+        <p:blipFill>
+          <a:blip r:embed="rId2"/>
+          <a:stretch>
+            <a:fillRect/>
+          </a:stretch>
+        </p:blipFill>
+        <p:spPr>
+          <a:xfrm>
+            <a:off x="1934309" y="243504"/>
+            <a:ext cx="7636380" cy="5941523"/>
+          </a:xfrm>
+        </p:spPr>
+      </p:pic>
+    </p:spTree>
+    <p:extLst>
+      <p:ext uri="{BB962C8B-B14F-4D97-AF65-F5344CB8AC3E}">
+        <p14:creationId xmlns:p14="http://schemas.microsoft.com/office/powerpoint/2010/main" val="431136068"/>
+      </p:ext>
+    </p:extLst>
+  </p:cSld>
+  <p:clrMapOvr>
+    <a:masterClrMapping/>
+  </p:clrMapOvr>
+</p:sld>
+</file>
+
+<file path=ppt/slides/slide18.xml><?xml version="1.0" encoding="utf-8"?>
+<p:sld xmlns:a="http://schemas.openxmlformats.org/drawingml/2006/main" xmlns:r="http://schemas.openxmlformats.org/officeDocument/2006/relationships" xmlns:p="http://schemas.openxmlformats.org/presentationml/2006/main">
+  <p:cSld>
+    <p:spTree>
+      <p:nvGrpSpPr>
+        <p:cNvPr id="1" name=""/>
+        <p:cNvGrpSpPr/>
+        <p:nvPr/>
+      </p:nvGrpSpPr>
+      <p:grpSpPr>
+        <a:xfrm>
+          <a:off x="0" y="0"/>
+          <a:ext cx="0" cy="0"/>
+          <a:chOff x="0" y="0"/>
+          <a:chExt cx="0" cy="0"/>
+        </a:xfrm>
+      </p:grpSpPr>
+      <p:sp>
+        <p:nvSpPr>
+          <p:cNvPr id="2" name="Заголовок 1">
+            <a:extLst>
+              <a:ext uri="{FF2B5EF4-FFF2-40B4-BE49-F238E27FC236}">
+                <a16:creationId xmlns:a16="http://schemas.microsoft.com/office/drawing/2014/main" id="{F927D745-1D39-4726-B8E1-D3B91BC14302}"/>
+              </a:ext>
+            </a:extLst>
+          </p:cNvPr>
+          <p:cNvSpPr>
+            <a:spLocks noGrp="1"/>
+          </p:cNvSpPr>
+          <p:nvPr>
+            <p:ph type="title"/>
+          </p:nvPr>
+        </p:nvSpPr>
+        <p:spPr>
+          <a:xfrm>
+            <a:off x="1141413" y="205091"/>
+            <a:ext cx="9905998" cy="448281"/>
+          </a:xfrm>
+        </p:spPr>
+        <p:txBody>
+          <a:bodyPr>
+            <a:normAutofit fontScale="90000"/>
+          </a:bodyPr>
+          <a:lstStyle/>
+          <a:p>
+            <a:r>
+              <a:rPr lang="ru-RU" dirty="0"/>
+              <a:t>Задача классификации</a:t>
+            </a:r>
+          </a:p>
+        </p:txBody>
+      </p:sp>
+      <p:pic>
+        <p:nvPicPr>
+          <p:cNvPr id="7" name="Рисунок 6">
+            <a:extLst>
+              <a:ext uri="{FF2B5EF4-FFF2-40B4-BE49-F238E27FC236}">
+                <a16:creationId xmlns:a16="http://schemas.microsoft.com/office/drawing/2014/main" id="{74806109-326C-42A5-9DB8-152611F36427}"/>
+              </a:ext>
+            </a:extLst>
+          </p:cNvPr>
+          <p:cNvPicPr>
+            <a:picLocks noChangeAspect="1"/>
+          </p:cNvPicPr>
+          <p:nvPr/>
+        </p:nvPicPr>
+        <p:blipFill>
+          <a:blip r:embed="rId2"/>
+          <a:stretch>
+            <a:fillRect/>
+          </a:stretch>
+        </p:blipFill>
+        <p:spPr>
+          <a:xfrm>
+            <a:off x="1141412" y="829218"/>
+            <a:ext cx="6869745" cy="5237473"/>
+          </a:xfrm>
+          <a:prstGeom prst="rect">
+            <a:avLst/>
+          </a:prstGeom>
+        </p:spPr>
+      </p:pic>
+      <p:sp>
+        <p:nvSpPr>
+          <p:cNvPr id="13" name="Объект 12">
+            <a:extLst>
+              <a:ext uri="{FF2B5EF4-FFF2-40B4-BE49-F238E27FC236}">
+                <a16:creationId xmlns:a16="http://schemas.microsoft.com/office/drawing/2014/main" id="{175920CF-5CD0-4FE9-A8D1-9F342217CA0D}"/>
+              </a:ext>
+            </a:extLst>
+          </p:cNvPr>
+          <p:cNvSpPr>
+            <a:spLocks noGrp="1"/>
+          </p:cNvSpPr>
+          <p:nvPr>
+            <p:ph idx="1"/>
+          </p:nvPr>
+        </p:nvSpPr>
+        <p:spPr>
+          <a:xfrm>
+            <a:off x="8219219" y="3217985"/>
+            <a:ext cx="3618847" cy="2036886"/>
+          </a:xfrm>
+        </p:spPr>
+        <p:txBody>
+          <a:bodyPr/>
+          <a:lstStyle/>
+          <a:p>
+            <a:pPr marL="0" indent="0">
+              <a:buNone/>
+            </a:pPr>
+            <a:endParaRPr lang="ru-RU" dirty="0"/>
+          </a:p>
+          <a:p>
+            <a:pPr marL="0" indent="0">
+              <a:buNone/>
+            </a:pPr>
+            <a:endParaRPr lang="ru-RU" dirty="0"/>
+          </a:p>
+        </p:txBody>
+      </p:sp>
+    </p:spTree>
+    <p:extLst>
+      <p:ext uri="{BB962C8B-B14F-4D97-AF65-F5344CB8AC3E}">
+        <p14:creationId xmlns:p14="http://schemas.microsoft.com/office/powerpoint/2010/main" val="1511953652"/>
+      </p:ext>
+    </p:extLst>
+  </p:cSld>
+  <p:clrMapOvr>
+    <a:masterClrMapping/>
+  </p:clrMapOvr>
+</p:sld>
+</file>
+
+<file path=ppt/slides/slide19.xml><?xml version="1.0" encoding="utf-8"?>
+<p:sld xmlns:a="http://schemas.openxmlformats.org/drawingml/2006/main" xmlns:r="http://schemas.openxmlformats.org/officeDocument/2006/relationships" xmlns:p="http://schemas.openxmlformats.org/presentationml/2006/main">
+  <p:cSld>
+    <p:spTree>
+      <p:nvGrpSpPr>
+        <p:cNvPr id="1" name=""/>
+        <p:cNvGrpSpPr/>
+        <p:nvPr/>
+      </p:nvGrpSpPr>
+      <p:grpSpPr>
+        <a:xfrm>
+          <a:off x="0" y="0"/>
+          <a:ext cx="0" cy="0"/>
+          <a:chOff x="0" y="0"/>
+          <a:chExt cx="0" cy="0"/>
+        </a:xfrm>
+      </p:grpSpPr>
+      <p:sp>
+        <p:nvSpPr>
+          <p:cNvPr id="2" name="Заголовок 1">
+            <a:extLst>
+              <a:ext uri="{FF2B5EF4-FFF2-40B4-BE49-F238E27FC236}">
+                <a16:creationId xmlns:a16="http://schemas.microsoft.com/office/drawing/2014/main" id="{8D3D6A2F-EE97-46CB-A8EC-67FA750B4898}"/>
+              </a:ext>
+            </a:extLst>
+          </p:cNvPr>
+          <p:cNvSpPr>
+            <a:spLocks noGrp="1"/>
+          </p:cNvSpPr>
+          <p:nvPr>
+            <p:ph type="title"/>
+          </p:nvPr>
+        </p:nvSpPr>
+        <p:spPr>
+          <a:xfrm>
+            <a:off x="1079866" y="249241"/>
+            <a:ext cx="9905998" cy="448281"/>
+          </a:xfrm>
+        </p:spPr>
+        <p:txBody>
+          <a:bodyPr>
+            <a:normAutofit fontScale="90000"/>
+          </a:bodyPr>
+          <a:lstStyle/>
+          <a:p>
+            <a:r>
+              <a:rPr lang="ru-RU" dirty="0"/>
+              <a:t>Задача кластеризации</a:t>
+            </a:r>
+          </a:p>
+        </p:txBody>
+      </p:sp>
+      <p:pic>
+        <p:nvPicPr>
+          <p:cNvPr id="5" name="Объект 4">
+            <a:extLst>
+              <a:ext uri="{FF2B5EF4-FFF2-40B4-BE49-F238E27FC236}">
+                <a16:creationId xmlns:a16="http://schemas.microsoft.com/office/drawing/2014/main" id="{8B896C00-1698-45DC-986B-454CED92783C}"/>
+              </a:ext>
+            </a:extLst>
+          </p:cNvPr>
+          <p:cNvPicPr>
+            <a:picLocks noGrp="1" noChangeAspect="1"/>
+          </p:cNvPicPr>
+          <p:nvPr>
+            <p:ph idx="1"/>
+          </p:nvPr>
+        </p:nvPicPr>
+        <p:blipFill>
+          <a:blip r:embed="rId2"/>
+          <a:stretch>
+            <a:fillRect/>
+          </a:stretch>
+        </p:blipFill>
+        <p:spPr>
+          <a:xfrm>
+            <a:off x="858594" y="1037676"/>
+            <a:ext cx="4914900" cy="3848100"/>
+          </a:xfrm>
+        </p:spPr>
+      </p:pic>
+      <p:pic>
+        <p:nvPicPr>
+          <p:cNvPr id="6" name="Рисунок 5">
+            <a:extLst>
+              <a:ext uri="{FF2B5EF4-FFF2-40B4-BE49-F238E27FC236}">
+                <a16:creationId xmlns:a16="http://schemas.microsoft.com/office/drawing/2014/main" id="{1A983B51-E097-4EAB-A261-F67718997DE4}"/>
+              </a:ext>
+            </a:extLst>
+          </p:cNvPr>
+          <p:cNvPicPr>
+            <a:picLocks noChangeAspect="1"/>
+          </p:cNvPicPr>
+          <p:nvPr/>
+        </p:nvPicPr>
+        <p:blipFill>
+          <a:blip r:embed="rId3"/>
+          <a:stretch>
+            <a:fillRect/>
+          </a:stretch>
+        </p:blipFill>
+        <p:spPr>
+          <a:xfrm>
+            <a:off x="6096000" y="1959340"/>
+            <a:ext cx="5335502" cy="4151313"/>
+          </a:xfrm>
+          <a:prstGeom prst="rect">
+            <a:avLst/>
+          </a:prstGeom>
+        </p:spPr>
+      </p:pic>
+    </p:spTree>
+    <p:extLst>
+      <p:ext uri="{BB962C8B-B14F-4D97-AF65-F5344CB8AC3E}">
+        <p14:creationId xmlns:p14="http://schemas.microsoft.com/office/powerpoint/2010/main" val="2214469027"/>
       </p:ext>
     </p:extLst>
   </p:cSld>
@@ -13108,6 +13901,184 @@
     <p:extLst>
       <p:ext uri="{BB962C8B-B14F-4D97-AF65-F5344CB8AC3E}">
         <p14:creationId xmlns:p14="http://schemas.microsoft.com/office/powerpoint/2010/main" val="4260993098"/>
+      </p:ext>
+    </p:extLst>
+  </p:cSld>
+  <p:clrMapOvr>
+    <a:masterClrMapping/>
+  </p:clrMapOvr>
+</p:sld>
+</file>
+
+<file path=ppt/slides/slide20.xml><?xml version="1.0" encoding="utf-8"?>
+<p:sld xmlns:a="http://schemas.openxmlformats.org/drawingml/2006/main" xmlns:r="http://schemas.openxmlformats.org/officeDocument/2006/relationships" xmlns:p="http://schemas.openxmlformats.org/presentationml/2006/main">
+  <p:cSld>
+    <p:spTree>
+      <p:nvGrpSpPr>
+        <p:cNvPr id="1" name=""/>
+        <p:cNvGrpSpPr/>
+        <p:nvPr/>
+      </p:nvGrpSpPr>
+      <p:grpSpPr>
+        <a:xfrm>
+          <a:off x="0" y="0"/>
+          <a:ext cx="0" cy="0"/>
+          <a:chOff x="0" y="0"/>
+          <a:chExt cx="0" cy="0"/>
+        </a:xfrm>
+      </p:grpSpPr>
+      <p:sp>
+        <p:nvSpPr>
+          <p:cNvPr id="2" name="Заголовок 1">
+            <a:extLst>
+              <a:ext uri="{FF2B5EF4-FFF2-40B4-BE49-F238E27FC236}">
+                <a16:creationId xmlns:a16="http://schemas.microsoft.com/office/drawing/2014/main" id="{EA3ACAEF-522B-4BCB-9EC6-F6CA682802F8}"/>
+              </a:ext>
+            </a:extLst>
+          </p:cNvPr>
+          <p:cNvSpPr>
+            <a:spLocks noGrp="1"/>
+          </p:cNvSpPr>
+          <p:nvPr>
+            <p:ph type="title"/>
+          </p:nvPr>
+        </p:nvSpPr>
+        <p:spPr/>
+        <p:txBody>
+          <a:bodyPr/>
+          <a:lstStyle/>
+          <a:p>
+            <a:endParaRPr lang="ru-RU"/>
+          </a:p>
+        </p:txBody>
+      </p:sp>
+      <p:pic>
+        <p:nvPicPr>
+          <p:cNvPr id="9" name="Объект 8">
+            <a:extLst>
+              <a:ext uri="{FF2B5EF4-FFF2-40B4-BE49-F238E27FC236}">
+                <a16:creationId xmlns:a16="http://schemas.microsoft.com/office/drawing/2014/main" id="{415E4838-9ED2-42AF-9DC5-48E75A915F20}"/>
+              </a:ext>
+            </a:extLst>
+          </p:cNvPr>
+          <p:cNvPicPr>
+            <a:picLocks noGrp="1" noChangeAspect="1"/>
+          </p:cNvPicPr>
+          <p:nvPr>
+            <p:ph idx="1"/>
+          </p:nvPr>
+        </p:nvPicPr>
+        <p:blipFill>
+          <a:blip r:embed="rId2"/>
+          <a:stretch>
+            <a:fillRect/>
+          </a:stretch>
+        </p:blipFill>
+        <p:spPr>
+          <a:xfrm>
+            <a:off x="1202959" y="618518"/>
+            <a:ext cx="6538930" cy="5087646"/>
+          </a:xfrm>
+        </p:spPr>
+      </p:pic>
+    </p:spTree>
+    <p:extLst>
+      <p:ext uri="{BB962C8B-B14F-4D97-AF65-F5344CB8AC3E}">
+        <p14:creationId xmlns:p14="http://schemas.microsoft.com/office/powerpoint/2010/main" val="793574062"/>
+      </p:ext>
+    </p:extLst>
+  </p:cSld>
+  <p:clrMapOvr>
+    <a:masterClrMapping/>
+  </p:clrMapOvr>
+</p:sld>
+</file>
+
+<file path=ppt/slides/slide21.xml><?xml version="1.0" encoding="utf-8"?>
+<p:sld xmlns:a="http://schemas.openxmlformats.org/drawingml/2006/main" xmlns:r="http://schemas.openxmlformats.org/officeDocument/2006/relationships" xmlns:p="http://schemas.openxmlformats.org/presentationml/2006/main">
+  <p:cSld>
+    <p:spTree>
+      <p:nvGrpSpPr>
+        <p:cNvPr id="1" name=""/>
+        <p:cNvGrpSpPr/>
+        <p:nvPr/>
+      </p:nvGrpSpPr>
+      <p:grpSpPr>
+        <a:xfrm>
+          <a:off x="0" y="0"/>
+          <a:ext cx="0" cy="0"/>
+          <a:chOff x="0" y="0"/>
+          <a:chExt cx="0" cy="0"/>
+        </a:xfrm>
+      </p:grpSpPr>
+      <p:sp>
+        <p:nvSpPr>
+          <p:cNvPr id="2" name="Заголовок 1">
+            <a:extLst>
+              <a:ext uri="{FF2B5EF4-FFF2-40B4-BE49-F238E27FC236}">
+                <a16:creationId xmlns:a16="http://schemas.microsoft.com/office/drawing/2014/main" id="{A8EB8BEC-04A2-49F5-8B14-55D2296BBE6A}"/>
+              </a:ext>
+            </a:extLst>
+          </p:cNvPr>
+          <p:cNvSpPr>
+            <a:spLocks noGrp="1"/>
+          </p:cNvSpPr>
+          <p:nvPr>
+            <p:ph type="title"/>
+          </p:nvPr>
+        </p:nvSpPr>
+        <p:spPr>
+          <a:xfrm>
+            <a:off x="1141413" y="618518"/>
+            <a:ext cx="9905998" cy="524482"/>
+          </a:xfrm>
+        </p:spPr>
+        <p:txBody>
+          <a:bodyPr>
+            <a:normAutofit fontScale="90000"/>
+          </a:bodyPr>
+          <a:lstStyle/>
+          <a:p>
+            <a:r>
+              <a:rPr lang="ru-RU" dirty="0"/>
+              <a:t>Задача детекции аномалий</a:t>
+            </a:r>
+          </a:p>
+        </p:txBody>
+      </p:sp>
+      <p:pic>
+        <p:nvPicPr>
+          <p:cNvPr id="7" name="Объект 6">
+            <a:extLst>
+              <a:ext uri="{FF2B5EF4-FFF2-40B4-BE49-F238E27FC236}">
+                <a16:creationId xmlns:a16="http://schemas.microsoft.com/office/drawing/2014/main" id="{83D24B1A-8C1F-4807-8462-705254D77A75}"/>
+              </a:ext>
+            </a:extLst>
+          </p:cNvPr>
+          <p:cNvPicPr>
+            <a:picLocks noGrp="1" noChangeAspect="1"/>
+          </p:cNvPicPr>
+          <p:nvPr>
+            <p:ph idx="1"/>
+          </p:nvPr>
+        </p:nvPicPr>
+        <p:blipFill>
+          <a:blip r:embed="rId2"/>
+          <a:stretch>
+            <a:fillRect/>
+          </a:stretch>
+        </p:blipFill>
+        <p:spPr>
+          <a:xfrm>
+            <a:off x="1309648" y="1274884"/>
+            <a:ext cx="4047960" cy="4648200"/>
+          </a:xfrm>
+        </p:spPr>
+      </p:pic>
+    </p:spTree>
+    <p:extLst>
+      <p:ext uri="{BB962C8B-B14F-4D97-AF65-F5344CB8AC3E}">
+        <p14:creationId xmlns:p14="http://schemas.microsoft.com/office/powerpoint/2010/main" val="2697490604"/>
       </p:ext>
     </p:extLst>
   </p:cSld>
@@ -13389,7 +14360,7 @@
           <a:bodyPr/>
           <a:lstStyle/>
           <a:p>
-            <a:endParaRPr lang="ru-RU"/>
+            <a:endParaRPr lang="ru-RU" dirty="0"/>
           </a:p>
         </p:txBody>
       </p:sp>
@@ -15376,65 +16347,34 @@
         </p:spPr>
         <p:txBody>
           <a:bodyPr>
-            <a:normAutofit fontScale="92500" lnSpcReduction="10000"/>
+            <a:normAutofit/>
           </a:bodyPr>
           <a:lstStyle/>
           <a:p>
             <a:r>
               <a:rPr lang="ru-RU" dirty="0"/>
-              <a:t>Попытка просто скормить данные привела к следующему</a:t>
-            </a:r>
-          </a:p>
-          <a:p>
+              <a:t>Требуется длительный и вдумчивый анализ данных с последующим преобразованием с помощью </a:t>
+            </a:r>
+            <a:r>
+              <a:rPr lang="en-US" b="1" dirty="0" err="1"/>
+              <a:t>LabelEncoder</a:t>
+            </a:r>
             <a:r>
               <a:rPr lang="en-US" dirty="0"/>
-              <a:t>Accuracy </a:t>
-            </a:r>
-            <a:r>
-              <a:rPr lang="en-US" dirty="0" err="1"/>
-              <a:t>GradientBoostingClassifier</a:t>
-            </a:r>
-            <a:r>
-              <a:rPr lang="en-US" dirty="0"/>
-              <a:t>: 0.99</a:t>
-            </a:r>
-          </a:p>
-          <a:p>
-            <a:r>
-              <a:rPr lang="en-US" dirty="0"/>
-              <a:t>Classification Report </a:t>
-            </a:r>
-            <a:r>
-              <a:rPr lang="en-US" dirty="0" err="1"/>
-              <a:t>GradientBoostingClassifier</a:t>
-            </a:r>
-            <a:r>
-              <a:rPr lang="en-US" dirty="0"/>
-              <a:t>:</a:t>
-            </a:r>
-          </a:p>
-          <a:p>
-            <a:r>
-              <a:rPr lang="en-US" dirty="0"/>
-              <a:t>              precision    recall  f1-score   support</a:t>
-            </a:r>
-          </a:p>
-          <a:p>
-            <a:endParaRPr lang="en-US" dirty="0"/>
-          </a:p>
-          <a:p>
-            <a:r>
-              <a:rPr lang="en-US" dirty="0"/>
-              <a:t>           0       1.00      0.99      0.99     10632</a:t>
-            </a:r>
-          </a:p>
-          <a:p>
-            <a:r>
-              <a:rPr lang="en-US" dirty="0"/>
-              <a:t>           1       0.99      1.00      0.99      7872</a:t>
-            </a:r>
-          </a:p>
-          <a:p>
+              <a:t> </a:t>
+            </a:r>
+            <a:r>
+              <a:rPr lang="ru-RU" dirty="0"/>
+              <a:t>и </a:t>
+            </a:r>
+            <a:r>
+              <a:rPr lang="en-US" b="1" dirty="0" err="1"/>
+              <a:t>OneHotEncoder</a:t>
+            </a:r>
+            <a:r>
+              <a:rPr lang="ru-RU" b="1" dirty="0"/>
+              <a:t>.</a:t>
+            </a:r>
             <a:endParaRPr lang="ru-RU" dirty="0"/>
           </a:p>
         </p:txBody>

--- a/project/Проект.pptx
+++ b/project/Проект.pptx
@@ -22,10 +22,11 @@
     <p:sldId id="270" r:id="rId16"/>
     <p:sldId id="271" r:id="rId17"/>
     <p:sldId id="275" r:id="rId18"/>
-    <p:sldId id="274" r:id="rId19"/>
-    <p:sldId id="273" r:id="rId20"/>
-    <p:sldId id="276" r:id="rId21"/>
-    <p:sldId id="272" r:id="rId22"/>
+    <p:sldId id="277" r:id="rId19"/>
+    <p:sldId id="274" r:id="rId20"/>
+    <p:sldId id="273" r:id="rId21"/>
+    <p:sldId id="276" r:id="rId22"/>
+    <p:sldId id="272" r:id="rId23"/>
   </p:sldIdLst>
   <p:sldSz cx="12192000" cy="6858000"/>
   <p:notesSz cx="6858000" cy="9144000"/>
@@ -150,6 +151,7 @@
             <p14:sldId id="270"/>
             <p14:sldId id="271"/>
             <p14:sldId id="275"/>
+            <p14:sldId id="277"/>
             <p14:sldId id="274"/>
             <p14:sldId id="273"/>
             <p14:sldId id="276"/>
@@ -215,7 +217,7 @@
           <a:noFill/>
           <a:extLst>
             <a:ext uri="{909E8E84-426E-40dd-AFC4-6F175D3DCCD1}">
-              <a14:hiddenFill xmlns:a14="http://schemas.microsoft.com/office/drawing/2010/main" xmlns="">
+              <a14:hiddenFill xmlns="" xmlns:a14="http://schemas.microsoft.com/office/drawing/2010/main">
                 <a:solidFill>
                   <a:srgbClr val="FFFFFF"/>
                 </a:solidFill>
@@ -275,7 +277,7 @@
             </a:ln>
             <a:extLst>
               <a:ext uri="{91240B29-F687-4f45-9708-019B960494DF}">
-                <a14:hiddenLine xmlns:a14="http://schemas.microsoft.com/office/drawing/2010/main" xmlns="" w="9525">
+                <a14:hiddenLine xmlns="" xmlns:a14="http://schemas.microsoft.com/office/drawing/2010/main" w="9525">
                   <a:solidFill>
                     <a:srgbClr val="000000"/>
                   </a:solidFill>
@@ -365,7 +367,7 @@
             </a:ln>
             <a:extLst>
               <a:ext uri="{91240B29-F687-4f45-9708-019B960494DF}">
-                <a14:hiddenLine xmlns:a14="http://schemas.microsoft.com/office/drawing/2010/main" xmlns="" w="9525">
+                <a14:hiddenLine xmlns="" xmlns:a14="http://schemas.microsoft.com/office/drawing/2010/main" w="9525">
                   <a:solidFill>
                     <a:srgbClr val="000000"/>
                   </a:solidFill>
@@ -455,7 +457,7 @@
             </a:ln>
             <a:extLst>
               <a:ext uri="{91240B29-F687-4f45-9708-019B960494DF}">
-                <a14:hiddenLine xmlns:a14="http://schemas.microsoft.com/office/drawing/2010/main" xmlns="" w="9525">
+                <a14:hiddenLine xmlns="" xmlns:a14="http://schemas.microsoft.com/office/drawing/2010/main" w="9525">
                   <a:solidFill>
                     <a:srgbClr val="000000"/>
                   </a:solidFill>
@@ -489,7 +491,7 @@
             </a:ln>
             <a:extLst>
               <a:ext uri="{91240B29-F687-4f45-9708-019B960494DF}">
-                <a14:hiddenLine xmlns:a14="http://schemas.microsoft.com/office/drawing/2010/main" xmlns="" w="9525">
+                <a14:hiddenLine xmlns="" xmlns:a14="http://schemas.microsoft.com/office/drawing/2010/main" w="9525">
                   <a:solidFill>
                     <a:srgbClr val="000000"/>
                   </a:solidFill>
@@ -579,7 +581,7 @@
             </a:ln>
             <a:extLst>
               <a:ext uri="{91240B29-F687-4f45-9708-019B960494DF}">
-                <a14:hiddenLine xmlns:a14="http://schemas.microsoft.com/office/drawing/2010/main" xmlns="" w="9525">
+                <a14:hiddenLine xmlns="" xmlns:a14="http://schemas.microsoft.com/office/drawing/2010/main" w="9525">
                   <a:solidFill>
                     <a:srgbClr val="000000"/>
                   </a:solidFill>
@@ -641,7 +643,7 @@
             </a:ln>
             <a:extLst>
               <a:ext uri="{91240B29-F687-4f45-9708-019B960494DF}">
-                <a14:hiddenLine xmlns:a14="http://schemas.microsoft.com/office/drawing/2010/main" xmlns="" w="9525">
+                <a14:hiddenLine xmlns="" xmlns:a14="http://schemas.microsoft.com/office/drawing/2010/main" w="9525">
                   <a:solidFill>
                     <a:srgbClr val="000000"/>
                   </a:solidFill>
@@ -703,7 +705,7 @@
             </a:ln>
             <a:extLst>
               <a:ext uri="{91240B29-F687-4f45-9708-019B960494DF}">
-                <a14:hiddenLine xmlns:a14="http://schemas.microsoft.com/office/drawing/2010/main" xmlns="" w="9525">
+                <a14:hiddenLine xmlns="" xmlns:a14="http://schemas.microsoft.com/office/drawing/2010/main" w="9525">
                   <a:solidFill>
                     <a:srgbClr val="000000"/>
                   </a:solidFill>
@@ -793,7 +795,7 @@
             </a:ln>
             <a:extLst>
               <a:ext uri="{91240B29-F687-4f45-9708-019B960494DF}">
-                <a14:hiddenLine xmlns:a14="http://schemas.microsoft.com/office/drawing/2010/main" xmlns="" w="9525">
+                <a14:hiddenLine xmlns="" xmlns:a14="http://schemas.microsoft.com/office/drawing/2010/main" w="9525">
                   <a:solidFill>
                     <a:srgbClr val="000000"/>
                   </a:solidFill>
@@ -855,7 +857,7 @@
             </a:ln>
             <a:extLst>
               <a:ext uri="{91240B29-F687-4f45-9708-019B960494DF}">
-                <a14:hiddenLine xmlns:a14="http://schemas.microsoft.com/office/drawing/2010/main" xmlns="" w="9525">
+                <a14:hiddenLine xmlns="" xmlns:a14="http://schemas.microsoft.com/office/drawing/2010/main" w="9525">
                   <a:solidFill>
                     <a:srgbClr val="000000"/>
                   </a:solidFill>
@@ -917,7 +919,7 @@
             </a:ln>
             <a:extLst>
               <a:ext uri="{91240B29-F687-4f45-9708-019B960494DF}">
-                <a14:hiddenLine xmlns:a14="http://schemas.microsoft.com/office/drawing/2010/main" xmlns="" w="9525">
+                <a14:hiddenLine xmlns="" xmlns:a14="http://schemas.microsoft.com/office/drawing/2010/main" w="9525">
                   <a:solidFill>
                     <a:srgbClr val="000000"/>
                   </a:solidFill>
@@ -1007,7 +1009,7 @@
             </a:ln>
             <a:extLst>
               <a:ext uri="{91240B29-F687-4f45-9708-019B960494DF}">
-                <a14:hiddenLine xmlns:a14="http://schemas.microsoft.com/office/drawing/2010/main" xmlns="" w="9525">
+                <a14:hiddenLine xmlns="" xmlns:a14="http://schemas.microsoft.com/office/drawing/2010/main" w="9525">
                   <a:solidFill>
                     <a:srgbClr val="000000"/>
                   </a:solidFill>
@@ -1097,7 +1099,7 @@
             </a:ln>
             <a:extLst>
               <a:ext uri="{91240B29-F687-4f45-9708-019B960494DF}">
-                <a14:hiddenLine xmlns:a14="http://schemas.microsoft.com/office/drawing/2010/main" xmlns="" w="9525">
+                <a14:hiddenLine xmlns="" xmlns:a14="http://schemas.microsoft.com/office/drawing/2010/main" w="9525">
                   <a:solidFill>
                     <a:srgbClr val="000000"/>
                   </a:solidFill>
@@ -1159,7 +1161,7 @@
             </a:ln>
             <a:extLst>
               <a:ext uri="{91240B29-F687-4f45-9708-019B960494DF}">
-                <a14:hiddenLine xmlns:a14="http://schemas.microsoft.com/office/drawing/2010/main" xmlns="" w="9525">
+                <a14:hiddenLine xmlns="" xmlns:a14="http://schemas.microsoft.com/office/drawing/2010/main" w="9525">
                   <a:solidFill>
                     <a:srgbClr val="000000"/>
                   </a:solidFill>
@@ -1269,7 +1271,7 @@
             </a:ln>
             <a:extLst>
               <a:ext uri="{91240B29-F687-4f45-9708-019B960494DF}">
-                <a14:hiddenLine xmlns:a14="http://schemas.microsoft.com/office/drawing/2010/main" xmlns="" w="9525">
+                <a14:hiddenLine xmlns="" xmlns:a14="http://schemas.microsoft.com/office/drawing/2010/main" w="9525">
                   <a:solidFill>
                     <a:srgbClr val="000000"/>
                   </a:solidFill>
@@ -1331,7 +1333,7 @@
             </a:ln>
             <a:extLst>
               <a:ext uri="{91240B29-F687-4f45-9708-019B960494DF}">
-                <a14:hiddenLine xmlns:a14="http://schemas.microsoft.com/office/drawing/2010/main" xmlns="" w="9525">
+                <a14:hiddenLine xmlns="" xmlns:a14="http://schemas.microsoft.com/office/drawing/2010/main" w="9525">
                   <a:solidFill>
                     <a:srgbClr val="000000"/>
                   </a:solidFill>
@@ -1421,7 +1423,7 @@
             </a:ln>
             <a:extLst>
               <a:ext uri="{91240B29-F687-4f45-9708-019B960494DF}">
-                <a14:hiddenLine xmlns:a14="http://schemas.microsoft.com/office/drawing/2010/main" xmlns="" w="9525">
+                <a14:hiddenLine xmlns="" xmlns:a14="http://schemas.microsoft.com/office/drawing/2010/main" w="9525">
                   <a:solidFill>
                     <a:srgbClr val="000000"/>
                   </a:solidFill>
@@ -1511,7 +1513,7 @@
             </a:ln>
             <a:extLst>
               <a:ext uri="{91240B29-F687-4f45-9708-019B960494DF}">
-                <a14:hiddenLine xmlns:a14="http://schemas.microsoft.com/office/drawing/2010/main" xmlns="" w="9525">
+                <a14:hiddenLine xmlns="" xmlns:a14="http://schemas.microsoft.com/office/drawing/2010/main" w="9525">
                   <a:solidFill>
                     <a:srgbClr val="000000"/>
                   </a:solidFill>
@@ -1573,7 +1575,7 @@
             </a:ln>
             <a:extLst>
               <a:ext uri="{91240B29-F687-4f45-9708-019B960494DF}">
-                <a14:hiddenLine xmlns:a14="http://schemas.microsoft.com/office/drawing/2010/main" xmlns="" w="9525">
+                <a14:hiddenLine xmlns="" xmlns:a14="http://schemas.microsoft.com/office/drawing/2010/main" w="9525">
                   <a:solidFill>
                     <a:srgbClr val="000000"/>
                   </a:solidFill>
@@ -1663,7 +1665,7 @@
             </a:ln>
             <a:extLst>
               <a:ext uri="{91240B29-F687-4f45-9708-019B960494DF}">
-                <a14:hiddenLine xmlns:a14="http://schemas.microsoft.com/office/drawing/2010/main" xmlns="" w="9525">
+                <a14:hiddenLine xmlns="" xmlns:a14="http://schemas.microsoft.com/office/drawing/2010/main" w="9525">
                   <a:solidFill>
                     <a:srgbClr val="000000"/>
                   </a:solidFill>
@@ -1753,7 +1755,7 @@
             </a:ln>
             <a:extLst>
               <a:ext uri="{91240B29-F687-4f45-9708-019B960494DF}">
-                <a14:hiddenLine xmlns:a14="http://schemas.microsoft.com/office/drawing/2010/main" xmlns="" w="9525">
+                <a14:hiddenLine xmlns="" xmlns:a14="http://schemas.microsoft.com/office/drawing/2010/main" w="9525">
                   <a:solidFill>
                     <a:srgbClr val="000000"/>
                   </a:solidFill>
@@ -1809,7 +1811,7 @@
             </a:ln>
             <a:extLst>
               <a:ext uri="{91240B29-F687-4f45-9708-019B960494DF}">
-                <a14:hiddenLine xmlns:a14="http://schemas.microsoft.com/office/drawing/2010/main" xmlns="" w="9525">
+                <a14:hiddenLine xmlns="" xmlns:a14="http://schemas.microsoft.com/office/drawing/2010/main" w="9525">
                   <a:solidFill>
                     <a:srgbClr val="000000"/>
                   </a:solidFill>
@@ -1899,7 +1901,7 @@
             </a:ln>
             <a:extLst>
               <a:ext uri="{91240B29-F687-4f45-9708-019B960494DF}">
-                <a14:hiddenLine xmlns:a14="http://schemas.microsoft.com/office/drawing/2010/main" xmlns="" w="9525">
+                <a14:hiddenLine xmlns="" xmlns:a14="http://schemas.microsoft.com/office/drawing/2010/main" w="9525">
                   <a:solidFill>
                     <a:srgbClr val="000000"/>
                   </a:solidFill>
@@ -1955,7 +1957,7 @@
             </a:ln>
             <a:extLst>
               <a:ext uri="{91240B29-F687-4f45-9708-019B960494DF}">
-                <a14:hiddenLine xmlns:a14="http://schemas.microsoft.com/office/drawing/2010/main" xmlns="" w="9525">
+                <a14:hiddenLine xmlns="" xmlns:a14="http://schemas.microsoft.com/office/drawing/2010/main" w="9525">
                   <a:solidFill>
                     <a:srgbClr val="000000"/>
                   </a:solidFill>
@@ -2045,7 +2047,7 @@
             </a:ln>
             <a:extLst>
               <a:ext uri="{91240B29-F687-4f45-9708-019B960494DF}">
-                <a14:hiddenLine xmlns:a14="http://schemas.microsoft.com/office/drawing/2010/main" xmlns="" w="9525">
+                <a14:hiddenLine xmlns="" xmlns:a14="http://schemas.microsoft.com/office/drawing/2010/main" w="9525">
                   <a:solidFill>
                     <a:srgbClr val="000000"/>
                   </a:solidFill>
@@ -2113,7 +2115,7 @@
             </a:ln>
             <a:extLst>
               <a:ext uri="{91240B29-F687-4f45-9708-019B960494DF}">
-                <a14:hiddenLine xmlns:a14="http://schemas.microsoft.com/office/drawing/2010/main" xmlns="" w="9525">
+                <a14:hiddenLine xmlns="" xmlns:a14="http://schemas.microsoft.com/office/drawing/2010/main" w="9525">
                   <a:solidFill>
                     <a:srgbClr val="000000"/>
                   </a:solidFill>
@@ -2203,7 +2205,7 @@
             </a:ln>
             <a:extLst>
               <a:ext uri="{91240B29-F687-4f45-9708-019B960494DF}">
-                <a14:hiddenLine xmlns:a14="http://schemas.microsoft.com/office/drawing/2010/main" xmlns="" w="9525">
+                <a14:hiddenLine xmlns="" xmlns:a14="http://schemas.microsoft.com/office/drawing/2010/main" w="9525">
                   <a:solidFill>
                     <a:srgbClr val="000000"/>
                   </a:solidFill>
@@ -2271,7 +2273,7 @@
             </a:ln>
             <a:extLst>
               <a:ext uri="{91240B29-F687-4f45-9708-019B960494DF}">
-                <a14:hiddenLine xmlns:a14="http://schemas.microsoft.com/office/drawing/2010/main" xmlns="" w="9525">
+                <a14:hiddenLine xmlns="" xmlns:a14="http://schemas.microsoft.com/office/drawing/2010/main" w="9525">
                   <a:solidFill>
                     <a:srgbClr val="000000"/>
                   </a:solidFill>
@@ -2361,7 +2363,7 @@
             </a:ln>
             <a:extLst>
               <a:ext uri="{91240B29-F687-4f45-9708-019B960494DF}">
-                <a14:hiddenLine xmlns:a14="http://schemas.microsoft.com/office/drawing/2010/main" xmlns="" w="9525">
+                <a14:hiddenLine xmlns="" xmlns:a14="http://schemas.microsoft.com/office/drawing/2010/main" w="9525">
                   <a:solidFill>
                     <a:srgbClr val="000000"/>
                   </a:solidFill>
@@ -2395,7 +2397,7 @@
             </a:ln>
             <a:extLst>
               <a:ext uri="{91240B29-F687-4f45-9708-019B960494DF}">
-                <a14:hiddenLine xmlns:a14="http://schemas.microsoft.com/office/drawing/2010/main" xmlns="" w="9525">
+                <a14:hiddenLine xmlns="" xmlns:a14="http://schemas.microsoft.com/office/drawing/2010/main" w="9525">
                   <a:solidFill>
                     <a:srgbClr val="000000"/>
                   </a:solidFill>
@@ -2485,7 +2487,7 @@
             </a:ln>
             <a:extLst>
               <a:ext uri="{91240B29-F687-4f45-9708-019B960494DF}">
-                <a14:hiddenLine xmlns:a14="http://schemas.microsoft.com/office/drawing/2010/main" xmlns="" w="9525">
+                <a14:hiddenLine xmlns="" xmlns:a14="http://schemas.microsoft.com/office/drawing/2010/main" w="9525">
                   <a:solidFill>
                     <a:srgbClr val="000000"/>
                   </a:solidFill>
@@ -2547,7 +2549,7 @@
             </a:ln>
             <a:extLst>
               <a:ext uri="{91240B29-F687-4f45-9708-019B960494DF}">
-                <a14:hiddenLine xmlns:a14="http://schemas.microsoft.com/office/drawing/2010/main" xmlns="" w="9525">
+                <a14:hiddenLine xmlns="" xmlns:a14="http://schemas.microsoft.com/office/drawing/2010/main" w="9525">
                   <a:solidFill>
                     <a:srgbClr val="000000"/>
                   </a:solidFill>
@@ -2609,7 +2611,7 @@
             </a:ln>
             <a:extLst>
               <a:ext uri="{91240B29-F687-4f45-9708-019B960494DF}">
-                <a14:hiddenLine xmlns:a14="http://schemas.microsoft.com/office/drawing/2010/main" xmlns="" w="9525">
+                <a14:hiddenLine xmlns="" xmlns:a14="http://schemas.microsoft.com/office/drawing/2010/main" w="9525">
                   <a:solidFill>
                     <a:srgbClr val="000000"/>
                   </a:solidFill>
@@ -2699,7 +2701,7 @@
             </a:ln>
             <a:extLst>
               <a:ext uri="{91240B29-F687-4f45-9708-019B960494DF}">
-                <a14:hiddenLine xmlns:a14="http://schemas.microsoft.com/office/drawing/2010/main" xmlns="" w="9525">
+                <a14:hiddenLine xmlns="" xmlns:a14="http://schemas.microsoft.com/office/drawing/2010/main" w="9525">
                   <a:solidFill>
                     <a:srgbClr val="000000"/>
                   </a:solidFill>
@@ -2767,7 +2769,7 @@
             </a:ln>
             <a:extLst>
               <a:ext uri="{91240B29-F687-4f45-9708-019B960494DF}">
-                <a14:hiddenLine xmlns:a14="http://schemas.microsoft.com/office/drawing/2010/main" xmlns="" w="9525">
+                <a14:hiddenLine xmlns="" xmlns:a14="http://schemas.microsoft.com/office/drawing/2010/main" w="9525">
                   <a:solidFill>
                     <a:srgbClr val="000000"/>
                   </a:solidFill>
@@ -2829,7 +2831,7 @@
             </a:ln>
             <a:extLst>
               <a:ext uri="{91240B29-F687-4f45-9708-019B960494DF}">
-                <a14:hiddenLine xmlns:a14="http://schemas.microsoft.com/office/drawing/2010/main" xmlns="" w="9525">
+                <a14:hiddenLine xmlns="" xmlns:a14="http://schemas.microsoft.com/office/drawing/2010/main" w="9525">
                   <a:solidFill>
                     <a:srgbClr val="000000"/>
                   </a:solidFill>
@@ -2919,7 +2921,7 @@
             </a:ln>
             <a:extLst>
               <a:ext uri="{91240B29-F687-4f45-9708-019B960494DF}">
-                <a14:hiddenLine xmlns:a14="http://schemas.microsoft.com/office/drawing/2010/main" xmlns="" w="9525">
+                <a14:hiddenLine xmlns="" xmlns:a14="http://schemas.microsoft.com/office/drawing/2010/main" w="9525">
                   <a:solidFill>
                     <a:srgbClr val="000000"/>
                   </a:solidFill>
@@ -2981,7 +2983,7 @@
             </a:ln>
             <a:extLst>
               <a:ext uri="{91240B29-F687-4f45-9708-019B960494DF}">
-                <a14:hiddenLine xmlns:a14="http://schemas.microsoft.com/office/drawing/2010/main" xmlns="" w="9525">
+                <a14:hiddenLine xmlns="" xmlns:a14="http://schemas.microsoft.com/office/drawing/2010/main" w="9525">
                   <a:solidFill>
                     <a:srgbClr val="000000"/>
                   </a:solidFill>
@@ -3071,7 +3073,7 @@
             </a:ln>
             <a:extLst>
               <a:ext uri="{91240B29-F687-4f45-9708-019B960494DF}">
-                <a14:hiddenLine xmlns:a14="http://schemas.microsoft.com/office/drawing/2010/main" xmlns="" w="9525">
+                <a14:hiddenLine xmlns="" xmlns:a14="http://schemas.microsoft.com/office/drawing/2010/main" w="9525">
                   <a:solidFill>
                     <a:srgbClr val="000000"/>
                   </a:solidFill>
@@ -3133,7 +3135,7 @@
             </a:ln>
             <a:extLst>
               <a:ext uri="{91240B29-F687-4f45-9708-019B960494DF}">
-                <a14:hiddenLine xmlns:a14="http://schemas.microsoft.com/office/drawing/2010/main" xmlns="" w="9525">
+                <a14:hiddenLine xmlns="" xmlns:a14="http://schemas.microsoft.com/office/drawing/2010/main" w="9525">
                   <a:solidFill>
                     <a:srgbClr val="000000"/>
                   </a:solidFill>
@@ -3223,7 +3225,7 @@
             </a:ln>
             <a:extLst>
               <a:ext uri="{91240B29-F687-4f45-9708-019B960494DF}">
-                <a14:hiddenLine xmlns:a14="http://schemas.microsoft.com/office/drawing/2010/main" xmlns="" w="9525">
+                <a14:hiddenLine xmlns="" xmlns:a14="http://schemas.microsoft.com/office/drawing/2010/main" w="9525">
                   <a:solidFill>
                     <a:srgbClr val="000000"/>
                   </a:solidFill>
@@ -3257,7 +3259,7 @@
             </a:ln>
             <a:extLst>
               <a:ext uri="{91240B29-F687-4f45-9708-019B960494DF}">
-                <a14:hiddenLine xmlns:a14="http://schemas.microsoft.com/office/drawing/2010/main" xmlns="" w="9525">
+                <a14:hiddenLine xmlns="" xmlns:a14="http://schemas.microsoft.com/office/drawing/2010/main" w="9525">
                   <a:solidFill>
                     <a:srgbClr val="000000"/>
                   </a:solidFill>
@@ -3322,7 +3324,7 @@
             </a:ln>
             <a:extLst>
               <a:ext uri="{91240B29-F687-4f45-9708-019B960494DF}">
-                <a14:hiddenLine xmlns:a14="http://schemas.microsoft.com/office/drawing/2010/main" xmlns="" w="9525">
+                <a14:hiddenLine xmlns="" xmlns:a14="http://schemas.microsoft.com/office/drawing/2010/main" w="9525">
                   <a:solidFill>
                     <a:srgbClr val="000000"/>
                   </a:solidFill>
@@ -3412,7 +3414,7 @@
             </a:ln>
             <a:extLst>
               <a:ext uri="{91240B29-F687-4f45-9708-019B960494DF}">
-                <a14:hiddenLine xmlns:a14="http://schemas.microsoft.com/office/drawing/2010/main" xmlns="" w="9525">
+                <a14:hiddenLine xmlns="" xmlns:a14="http://schemas.microsoft.com/office/drawing/2010/main" w="9525">
                   <a:solidFill>
                     <a:srgbClr val="000000"/>
                   </a:solidFill>
@@ -3474,7 +3476,7 @@
             </a:ln>
             <a:extLst>
               <a:ext uri="{91240B29-F687-4f45-9708-019B960494DF}">
-                <a14:hiddenLine xmlns:a14="http://schemas.microsoft.com/office/drawing/2010/main" xmlns="" w="9525">
+                <a14:hiddenLine xmlns="" xmlns:a14="http://schemas.microsoft.com/office/drawing/2010/main" w="9525">
                   <a:solidFill>
                     <a:srgbClr val="000000"/>
                   </a:solidFill>
@@ -3564,7 +3566,7 @@
             </a:ln>
             <a:extLst>
               <a:ext uri="{91240B29-F687-4f45-9708-019B960494DF}">
-                <a14:hiddenLine xmlns:a14="http://schemas.microsoft.com/office/drawing/2010/main" xmlns="" w="9525">
+                <a14:hiddenLine xmlns="" xmlns:a14="http://schemas.microsoft.com/office/drawing/2010/main" w="9525">
                   <a:solidFill>
                     <a:srgbClr val="000000"/>
                   </a:solidFill>
@@ -3654,7 +3656,7 @@
             </a:ln>
             <a:extLst>
               <a:ext uri="{91240B29-F687-4f45-9708-019B960494DF}">
-                <a14:hiddenLine xmlns:a14="http://schemas.microsoft.com/office/drawing/2010/main" xmlns="" w="9525">
+                <a14:hiddenLine xmlns="" xmlns:a14="http://schemas.microsoft.com/office/drawing/2010/main" w="9525">
                   <a:solidFill>
                     <a:srgbClr val="000000"/>
                   </a:solidFill>
@@ -3719,7 +3721,7 @@
             </a:ln>
             <a:extLst>
               <a:ext uri="{91240B29-F687-4f45-9708-019B960494DF}">
-                <a14:hiddenLine xmlns:a14="http://schemas.microsoft.com/office/drawing/2010/main" xmlns="" w="9525">
+                <a14:hiddenLine xmlns="" xmlns:a14="http://schemas.microsoft.com/office/drawing/2010/main" w="9525">
                   <a:solidFill>
                     <a:srgbClr val="000000"/>
                   </a:solidFill>
@@ -3781,7 +3783,7 @@
             </a:ln>
             <a:extLst>
               <a:ext uri="{91240B29-F687-4f45-9708-019B960494DF}">
-                <a14:hiddenLine xmlns:a14="http://schemas.microsoft.com/office/drawing/2010/main" xmlns="" w="9525">
+                <a14:hiddenLine xmlns="" xmlns:a14="http://schemas.microsoft.com/office/drawing/2010/main" w="9525">
                   <a:solidFill>
                     <a:srgbClr val="000000"/>
                   </a:solidFill>
@@ -3871,7 +3873,7 @@
             </a:ln>
             <a:extLst>
               <a:ext uri="{91240B29-F687-4f45-9708-019B960494DF}">
-                <a14:hiddenLine xmlns:a14="http://schemas.microsoft.com/office/drawing/2010/main" xmlns="" w="9525">
+                <a14:hiddenLine xmlns="" xmlns:a14="http://schemas.microsoft.com/office/drawing/2010/main" w="9525">
                   <a:solidFill>
                     <a:srgbClr val="000000"/>
                   </a:solidFill>
@@ -3961,7 +3963,7 @@
             </a:ln>
             <a:extLst>
               <a:ext uri="{91240B29-F687-4f45-9708-019B960494DF}">
-                <a14:hiddenLine xmlns:a14="http://schemas.microsoft.com/office/drawing/2010/main" xmlns="" w="9525">
+                <a14:hiddenLine xmlns="" xmlns:a14="http://schemas.microsoft.com/office/drawing/2010/main" w="9525">
                   <a:solidFill>
                     <a:srgbClr val="000000"/>
                   </a:solidFill>
@@ -4023,7 +4025,7 @@
             </a:ln>
             <a:extLst>
               <a:ext uri="{91240B29-F687-4f45-9708-019B960494DF}">
-                <a14:hiddenLine xmlns:a14="http://schemas.microsoft.com/office/drawing/2010/main" xmlns="" w="9525">
+                <a14:hiddenLine xmlns="" xmlns:a14="http://schemas.microsoft.com/office/drawing/2010/main" w="9525">
                   <a:solidFill>
                     <a:srgbClr val="000000"/>
                   </a:solidFill>
@@ -4143,7 +4145,7 @@
             </a:ln>
             <a:extLst>
               <a:ext uri="{91240B29-F687-4f45-9708-019B960494DF}">
-                <a14:hiddenLine xmlns:a14="http://schemas.microsoft.com/office/drawing/2010/main" xmlns="" w="9525">
+                <a14:hiddenLine xmlns="" xmlns:a14="http://schemas.microsoft.com/office/drawing/2010/main" w="9525">
                   <a:solidFill>
                     <a:srgbClr val="000000"/>
                   </a:solidFill>
@@ -4211,7 +4213,7 @@
             </a:ln>
             <a:extLst>
               <a:ext uri="{91240B29-F687-4f45-9708-019B960494DF}">
-                <a14:hiddenLine xmlns:a14="http://schemas.microsoft.com/office/drawing/2010/main" xmlns="" w="9525">
+                <a14:hiddenLine xmlns="" xmlns:a14="http://schemas.microsoft.com/office/drawing/2010/main" w="9525">
                   <a:solidFill>
                     <a:srgbClr val="000000"/>
                   </a:solidFill>
@@ -4301,7 +4303,7 @@
             </a:ln>
             <a:extLst>
               <a:ext uri="{91240B29-F687-4f45-9708-019B960494DF}">
-                <a14:hiddenLine xmlns:a14="http://schemas.microsoft.com/office/drawing/2010/main" xmlns="" w="9525">
+                <a14:hiddenLine xmlns="" xmlns:a14="http://schemas.microsoft.com/office/drawing/2010/main" w="9525">
                   <a:solidFill>
                     <a:srgbClr val="000000"/>
                   </a:solidFill>
@@ -9023,7 +9025,7 @@
           <a:noFill/>
           <a:extLst>
             <a:ext uri="{909E8E84-426E-40dd-AFC4-6F175D3DCCD1}">
-              <a14:hiddenFill xmlns:a14="http://schemas.microsoft.com/office/drawing/2010/main" xmlns="">
+              <a14:hiddenFill xmlns="" xmlns:a14="http://schemas.microsoft.com/office/drawing/2010/main">
                 <a:solidFill>
                   <a:srgbClr val="FFFFFF"/>
                 </a:solidFill>
@@ -9097,7 +9099,7 @@
               </a:ln>
               <a:extLst>
                 <a:ext uri="{91240B29-F687-4f45-9708-019B960494DF}">
-                  <a14:hiddenLine xmlns:a14="http://schemas.microsoft.com/office/drawing/2010/main" xmlns="" w="9525">
+                  <a14:hiddenLine xmlns="" xmlns:a14="http://schemas.microsoft.com/office/drawing/2010/main" w="9525">
                     <a:solidFill>
                       <a:srgbClr val="000000"/>
                     </a:solidFill>
@@ -9187,7 +9189,7 @@
               </a:ln>
               <a:extLst>
                 <a:ext uri="{91240B29-F687-4f45-9708-019B960494DF}">
-                  <a14:hiddenLine xmlns:a14="http://schemas.microsoft.com/office/drawing/2010/main" xmlns="" w="9525">
+                  <a14:hiddenLine xmlns="" xmlns:a14="http://schemas.microsoft.com/office/drawing/2010/main" w="9525">
                     <a:solidFill>
                       <a:srgbClr val="000000"/>
                     </a:solidFill>
@@ -9277,7 +9279,7 @@
               </a:ln>
               <a:extLst>
                 <a:ext uri="{91240B29-F687-4f45-9708-019B960494DF}">
-                  <a14:hiddenLine xmlns:a14="http://schemas.microsoft.com/office/drawing/2010/main" xmlns="" w="9525">
+                  <a14:hiddenLine xmlns="" xmlns:a14="http://schemas.microsoft.com/office/drawing/2010/main" w="9525">
                     <a:solidFill>
                       <a:srgbClr val="000000"/>
                     </a:solidFill>
@@ -9339,7 +9341,7 @@
               </a:ln>
               <a:extLst>
                 <a:ext uri="{91240B29-F687-4f45-9708-019B960494DF}">
-                  <a14:hiddenLine xmlns:a14="http://schemas.microsoft.com/office/drawing/2010/main" xmlns="" w="9525">
+                  <a14:hiddenLine xmlns="" xmlns:a14="http://schemas.microsoft.com/office/drawing/2010/main" w="9525">
                     <a:solidFill>
                       <a:srgbClr val="000000"/>
                     </a:solidFill>
@@ -9429,7 +9431,7 @@
               </a:ln>
               <a:extLst>
                 <a:ext uri="{91240B29-F687-4f45-9708-019B960494DF}">
-                  <a14:hiddenLine xmlns:a14="http://schemas.microsoft.com/office/drawing/2010/main" xmlns="" w="9525">
+                  <a14:hiddenLine xmlns="" xmlns:a14="http://schemas.microsoft.com/office/drawing/2010/main" w="9525">
                     <a:solidFill>
                       <a:srgbClr val="000000"/>
                     </a:solidFill>
@@ -9491,7 +9493,7 @@
               </a:ln>
               <a:extLst>
                 <a:ext uri="{91240B29-F687-4f45-9708-019B960494DF}">
-                  <a14:hiddenLine xmlns:a14="http://schemas.microsoft.com/office/drawing/2010/main" xmlns="" w="9525">
+                  <a14:hiddenLine xmlns="" xmlns:a14="http://schemas.microsoft.com/office/drawing/2010/main" w="9525">
                     <a:solidFill>
                       <a:srgbClr val="000000"/>
                     </a:solidFill>
@@ -9553,7 +9555,7 @@
               </a:ln>
               <a:extLst>
                 <a:ext uri="{91240B29-F687-4f45-9708-019B960494DF}">
-                  <a14:hiddenLine xmlns:a14="http://schemas.microsoft.com/office/drawing/2010/main" xmlns="" w="9525">
+                  <a14:hiddenLine xmlns="" xmlns:a14="http://schemas.microsoft.com/office/drawing/2010/main" w="9525">
                     <a:solidFill>
                       <a:srgbClr val="000000"/>
                     </a:solidFill>
@@ -9643,7 +9645,7 @@
               </a:ln>
               <a:extLst>
                 <a:ext uri="{91240B29-F687-4f45-9708-019B960494DF}">
-                  <a14:hiddenLine xmlns:a14="http://schemas.microsoft.com/office/drawing/2010/main" xmlns="" w="9525">
+                  <a14:hiddenLine xmlns="" xmlns:a14="http://schemas.microsoft.com/office/drawing/2010/main" w="9525">
                     <a:solidFill>
                       <a:srgbClr val="000000"/>
                     </a:solidFill>
@@ -9733,7 +9735,7 @@
               </a:ln>
               <a:extLst>
                 <a:ext uri="{91240B29-F687-4f45-9708-019B960494DF}">
-                  <a14:hiddenLine xmlns:a14="http://schemas.microsoft.com/office/drawing/2010/main" xmlns="" w="9525">
+                  <a14:hiddenLine xmlns="" xmlns:a14="http://schemas.microsoft.com/office/drawing/2010/main" w="9525">
                     <a:solidFill>
                       <a:srgbClr val="000000"/>
                     </a:solidFill>
@@ -9795,7 +9797,7 @@
               </a:ln>
               <a:extLst>
                 <a:ext uri="{91240B29-F687-4f45-9708-019B960494DF}">
-                  <a14:hiddenLine xmlns:a14="http://schemas.microsoft.com/office/drawing/2010/main" xmlns="" w="9525">
+                  <a14:hiddenLine xmlns="" xmlns:a14="http://schemas.microsoft.com/office/drawing/2010/main" w="9525">
                     <a:solidFill>
                       <a:srgbClr val="000000"/>
                     </a:solidFill>
@@ -9905,7 +9907,7 @@
               </a:ln>
               <a:extLst>
                 <a:ext uri="{91240B29-F687-4f45-9708-019B960494DF}">
-                  <a14:hiddenLine xmlns:a14="http://schemas.microsoft.com/office/drawing/2010/main" xmlns="" w="9525">
+                  <a14:hiddenLine xmlns="" xmlns:a14="http://schemas.microsoft.com/office/drawing/2010/main" w="9525">
                     <a:solidFill>
                       <a:srgbClr val="000000"/>
                     </a:solidFill>
@@ -9989,7 +9991,7 @@
               </a:ln>
               <a:extLst>
                 <a:ext uri="{91240B29-F687-4f45-9708-019B960494DF}">
-                  <a14:hiddenLine xmlns:a14="http://schemas.microsoft.com/office/drawing/2010/main" xmlns="" w="9525">
+                  <a14:hiddenLine xmlns="" xmlns:a14="http://schemas.microsoft.com/office/drawing/2010/main" w="9525">
                     <a:solidFill>
                       <a:srgbClr val="000000"/>
                     </a:solidFill>
@@ -10051,7 +10053,7 @@
               </a:ln>
               <a:extLst>
                 <a:ext uri="{91240B29-F687-4f45-9708-019B960494DF}">
-                  <a14:hiddenLine xmlns:a14="http://schemas.microsoft.com/office/drawing/2010/main" xmlns="" w="9525">
+                  <a14:hiddenLine xmlns="" xmlns:a14="http://schemas.microsoft.com/office/drawing/2010/main" w="9525">
                     <a:solidFill>
                       <a:srgbClr val="000000"/>
                     </a:solidFill>
@@ -10113,7 +10115,7 @@
               </a:ln>
               <a:extLst>
                 <a:ext uri="{91240B29-F687-4f45-9708-019B960494DF}">
-                  <a14:hiddenLine xmlns:a14="http://schemas.microsoft.com/office/drawing/2010/main" xmlns="" w="9525">
+                  <a14:hiddenLine xmlns="" xmlns:a14="http://schemas.microsoft.com/office/drawing/2010/main" w="9525">
                     <a:solidFill>
                       <a:srgbClr val="000000"/>
                     </a:solidFill>
@@ -10203,7 +10205,7 @@
               </a:ln>
               <a:extLst>
                 <a:ext uri="{91240B29-F687-4f45-9708-019B960494DF}">
-                  <a14:hiddenLine xmlns:a14="http://schemas.microsoft.com/office/drawing/2010/main" xmlns="" w="9525">
+                  <a14:hiddenLine xmlns="" xmlns:a14="http://schemas.microsoft.com/office/drawing/2010/main" w="9525">
                     <a:solidFill>
                       <a:srgbClr val="000000"/>
                     </a:solidFill>
@@ -10237,7 +10239,7 @@
               </a:ln>
               <a:extLst>
                 <a:ext uri="{91240B29-F687-4f45-9708-019B960494DF}">
-                  <a14:hiddenLine xmlns:a14="http://schemas.microsoft.com/office/drawing/2010/main" xmlns="" w="9525">
+                  <a14:hiddenLine xmlns="" xmlns:a14="http://schemas.microsoft.com/office/drawing/2010/main" w="9525">
                     <a:solidFill>
                       <a:srgbClr val="000000"/>
                     </a:solidFill>
@@ -10302,7 +10304,7 @@
               </a:ln>
               <a:extLst>
                 <a:ext uri="{91240B29-F687-4f45-9708-019B960494DF}">
-                  <a14:hiddenLine xmlns:a14="http://schemas.microsoft.com/office/drawing/2010/main" xmlns="" w="9525">
+                  <a14:hiddenLine xmlns="" xmlns:a14="http://schemas.microsoft.com/office/drawing/2010/main" w="9525">
                     <a:solidFill>
                       <a:srgbClr val="000000"/>
                     </a:solidFill>
@@ -10392,7 +10394,7 @@
               </a:ln>
               <a:extLst>
                 <a:ext uri="{91240B29-F687-4f45-9708-019B960494DF}">
-                  <a14:hiddenLine xmlns:a14="http://schemas.microsoft.com/office/drawing/2010/main" xmlns="" w="9525">
+                  <a14:hiddenLine xmlns="" xmlns:a14="http://schemas.microsoft.com/office/drawing/2010/main" w="9525">
                     <a:solidFill>
                       <a:srgbClr val="000000"/>
                     </a:solidFill>
@@ -10454,7 +10456,7 @@
               </a:ln>
               <a:extLst>
                 <a:ext uri="{91240B29-F687-4f45-9708-019B960494DF}">
-                  <a14:hiddenLine xmlns:a14="http://schemas.microsoft.com/office/drawing/2010/main" xmlns="" w="9525">
+                  <a14:hiddenLine xmlns="" xmlns:a14="http://schemas.microsoft.com/office/drawing/2010/main" w="9525">
                     <a:solidFill>
                       <a:srgbClr val="000000"/>
                     </a:solidFill>
@@ -10544,7 +10546,7 @@
               </a:ln>
               <a:extLst>
                 <a:ext uri="{91240B29-F687-4f45-9708-019B960494DF}">
-                  <a14:hiddenLine xmlns:a14="http://schemas.microsoft.com/office/drawing/2010/main" xmlns="" w="9525">
+                  <a14:hiddenLine xmlns="" xmlns:a14="http://schemas.microsoft.com/office/drawing/2010/main" w="9525">
                     <a:solidFill>
                       <a:srgbClr val="000000"/>
                     </a:solidFill>
@@ -10609,7 +10611,7 @@
               </a:ln>
               <a:extLst>
                 <a:ext uri="{91240B29-F687-4f45-9708-019B960494DF}">
-                  <a14:hiddenLine xmlns:a14="http://schemas.microsoft.com/office/drawing/2010/main" xmlns="" w="9525">
+                  <a14:hiddenLine xmlns="" xmlns:a14="http://schemas.microsoft.com/office/drawing/2010/main" w="9525">
                     <a:solidFill>
                       <a:srgbClr val="000000"/>
                     </a:solidFill>
@@ -10671,7 +10673,7 @@
               </a:ln>
               <a:extLst>
                 <a:ext uri="{91240B29-F687-4f45-9708-019B960494DF}">
-                  <a14:hiddenLine xmlns:a14="http://schemas.microsoft.com/office/drawing/2010/main" xmlns="" w="9525">
+                  <a14:hiddenLine xmlns="" xmlns:a14="http://schemas.microsoft.com/office/drawing/2010/main" w="9525">
                     <a:solidFill>
                       <a:srgbClr val="000000"/>
                     </a:solidFill>
@@ -10761,7 +10763,7 @@
               </a:ln>
               <a:extLst>
                 <a:ext uri="{91240B29-F687-4f45-9708-019B960494DF}">
-                  <a14:hiddenLine xmlns:a14="http://schemas.microsoft.com/office/drawing/2010/main" xmlns="" w="9525">
+                  <a14:hiddenLine xmlns="" xmlns:a14="http://schemas.microsoft.com/office/drawing/2010/main" w="9525">
                     <a:solidFill>
                       <a:srgbClr val="000000"/>
                     </a:solidFill>
@@ -10851,7 +10853,7 @@
               </a:ln>
               <a:extLst>
                 <a:ext uri="{91240B29-F687-4f45-9708-019B960494DF}">
-                  <a14:hiddenLine xmlns:a14="http://schemas.microsoft.com/office/drawing/2010/main" xmlns="" w="9525">
+                  <a14:hiddenLine xmlns="" xmlns:a14="http://schemas.microsoft.com/office/drawing/2010/main" w="9525">
                     <a:solidFill>
                       <a:srgbClr val="000000"/>
                     </a:solidFill>
@@ -10916,7 +10918,7 @@
               </a:ln>
               <a:extLst>
                 <a:ext uri="{91240B29-F687-4f45-9708-019B960494DF}">
-                  <a14:hiddenLine xmlns:a14="http://schemas.microsoft.com/office/drawing/2010/main" xmlns="" w="9525">
+                  <a14:hiddenLine xmlns="" xmlns:a14="http://schemas.microsoft.com/office/drawing/2010/main" w="9525">
                     <a:solidFill>
                       <a:srgbClr val="000000"/>
                     </a:solidFill>
@@ -11036,7 +11038,7 @@
               </a:ln>
               <a:extLst>
                 <a:ext uri="{91240B29-F687-4f45-9708-019B960494DF}">
-                  <a14:hiddenLine xmlns:a14="http://schemas.microsoft.com/office/drawing/2010/main" xmlns="" w="9525">
+                  <a14:hiddenLine xmlns="" xmlns:a14="http://schemas.microsoft.com/office/drawing/2010/main" w="9525">
                     <a:solidFill>
                       <a:srgbClr val="000000"/>
                     </a:solidFill>
@@ -11134,7 +11136,7 @@
               </a:ln>
               <a:extLst>
                 <a:ext uri="{91240B29-F687-4f45-9708-019B960494DF}">
-                  <a14:hiddenLine xmlns:a14="http://schemas.microsoft.com/office/drawing/2010/main" xmlns="" w="9525">
+                  <a14:hiddenLine xmlns="" xmlns:a14="http://schemas.microsoft.com/office/drawing/2010/main" w="9525">
                     <a:solidFill>
                       <a:srgbClr val="000000"/>
                     </a:solidFill>
@@ -11249,7 +11251,7 @@
               </a:ln>
               <a:extLst>
                 <a:ext uri="{91240B29-F687-4f45-9708-019B960494DF}">
-                  <a14:hiddenLine xmlns:a14="http://schemas.microsoft.com/office/drawing/2010/main" xmlns="" w="9525">
+                  <a14:hiddenLine xmlns="" xmlns:a14="http://schemas.microsoft.com/office/drawing/2010/main" w="9525">
                     <a:solidFill>
                       <a:srgbClr val="000000"/>
                     </a:solidFill>
@@ -11339,7 +11341,7 @@
               </a:ln>
               <a:extLst>
                 <a:ext uri="{91240B29-F687-4f45-9708-019B960494DF}">
-                  <a14:hiddenLine xmlns:a14="http://schemas.microsoft.com/office/drawing/2010/main" xmlns="" w="9525">
+                  <a14:hiddenLine xmlns="" xmlns:a14="http://schemas.microsoft.com/office/drawing/2010/main" w="9525">
                     <a:solidFill>
                       <a:srgbClr val="000000"/>
                     </a:solidFill>
@@ -11404,7 +11406,7 @@
               </a:ln>
               <a:extLst>
                 <a:ext uri="{91240B29-F687-4f45-9708-019B960494DF}">
-                  <a14:hiddenLine xmlns:a14="http://schemas.microsoft.com/office/drawing/2010/main" xmlns="" w="9525">
+                  <a14:hiddenLine xmlns="" xmlns:a14="http://schemas.microsoft.com/office/drawing/2010/main" w="9525">
                     <a:solidFill>
                       <a:srgbClr val="000000"/>
                     </a:solidFill>
@@ -11494,7 +11496,7 @@
               </a:ln>
               <a:extLst>
                 <a:ext uri="{91240B29-F687-4f45-9708-019B960494DF}">
-                  <a14:hiddenLine xmlns:a14="http://schemas.microsoft.com/office/drawing/2010/main" xmlns="" w="9525">
+                  <a14:hiddenLine xmlns="" xmlns:a14="http://schemas.microsoft.com/office/drawing/2010/main" w="9525">
                     <a:solidFill>
                       <a:srgbClr val="000000"/>
                     </a:solidFill>
@@ -11562,7 +11564,7 @@
               </a:ln>
               <a:extLst>
                 <a:ext uri="{91240B29-F687-4f45-9708-019B960494DF}">
-                  <a14:hiddenLine xmlns:a14="http://schemas.microsoft.com/office/drawing/2010/main" xmlns="" w="9525">
+                  <a14:hiddenLine xmlns="" xmlns:a14="http://schemas.microsoft.com/office/drawing/2010/main" w="9525">
                     <a:solidFill>
                       <a:srgbClr val="000000"/>
                     </a:solidFill>
@@ -11652,7 +11654,7 @@
               </a:ln>
               <a:extLst>
                 <a:ext uri="{91240B29-F687-4f45-9708-019B960494DF}">
-                  <a14:hiddenLine xmlns:a14="http://schemas.microsoft.com/office/drawing/2010/main" xmlns="" w="9525">
+                  <a14:hiddenLine xmlns="" xmlns:a14="http://schemas.microsoft.com/office/drawing/2010/main" w="9525">
                     <a:solidFill>
                       <a:srgbClr val="000000"/>
                     </a:solidFill>
@@ -11720,7 +11722,7 @@
               </a:ln>
               <a:extLst>
                 <a:ext uri="{91240B29-F687-4f45-9708-019B960494DF}">
-                  <a14:hiddenLine xmlns:a14="http://schemas.microsoft.com/office/drawing/2010/main" xmlns="" w="9525">
+                  <a14:hiddenLine xmlns="" xmlns:a14="http://schemas.microsoft.com/office/drawing/2010/main" w="9525">
                     <a:solidFill>
                       <a:srgbClr val="000000"/>
                     </a:solidFill>
@@ -11810,7 +11812,7 @@
               </a:ln>
               <a:extLst>
                 <a:ext uri="{91240B29-F687-4f45-9708-019B960494DF}">
-                  <a14:hiddenLine xmlns:a14="http://schemas.microsoft.com/office/drawing/2010/main" xmlns="" w="9525">
+                  <a14:hiddenLine xmlns="" xmlns:a14="http://schemas.microsoft.com/office/drawing/2010/main" w="9525">
                     <a:solidFill>
                       <a:srgbClr val="000000"/>
                     </a:solidFill>
@@ -11844,7 +11846,7 @@
               </a:ln>
               <a:extLst>
                 <a:ext uri="{91240B29-F687-4f45-9708-019B960494DF}">
-                  <a14:hiddenLine xmlns:a14="http://schemas.microsoft.com/office/drawing/2010/main" xmlns="" w="9525">
+                  <a14:hiddenLine xmlns="" xmlns:a14="http://schemas.microsoft.com/office/drawing/2010/main" w="9525">
                     <a:solidFill>
                       <a:srgbClr val="000000"/>
                     </a:solidFill>
@@ -13543,6 +13545,90 @@
           <p:cNvPr id="2" name="Заголовок 1">
             <a:extLst>
               <a:ext uri="{FF2B5EF4-FFF2-40B4-BE49-F238E27FC236}">
+                <a16:creationId xmlns:a16="http://schemas.microsoft.com/office/drawing/2014/main" id="{0AEF4BA0-892B-46EC-97E8-6B4E3901C33D}"/>
+              </a:ext>
+            </a:extLst>
+          </p:cNvPr>
+          <p:cNvSpPr>
+            <a:spLocks noGrp="1"/>
+          </p:cNvSpPr>
+          <p:nvPr>
+            <p:ph type="title"/>
+          </p:nvPr>
+        </p:nvSpPr>
+        <p:spPr/>
+        <p:txBody>
+          <a:bodyPr/>
+          <a:lstStyle/>
+          <a:p>
+            <a:endParaRPr lang="ru-RU"/>
+          </a:p>
+        </p:txBody>
+      </p:sp>
+      <p:pic>
+        <p:nvPicPr>
+          <p:cNvPr id="5" name="Объект 4">
+            <a:extLst>
+              <a:ext uri="{FF2B5EF4-FFF2-40B4-BE49-F238E27FC236}">
+                <a16:creationId xmlns:a16="http://schemas.microsoft.com/office/drawing/2014/main" id="{D320E9E2-DF9D-49EF-B899-A115E2888E7B}"/>
+              </a:ext>
+            </a:extLst>
+          </p:cNvPr>
+          <p:cNvPicPr>
+            <a:picLocks noGrp="1" noChangeAspect="1"/>
+          </p:cNvPicPr>
+          <p:nvPr>
+            <p:ph idx="1"/>
+          </p:nvPr>
+        </p:nvPicPr>
+        <p:blipFill>
+          <a:blip r:embed="rId2"/>
+          <a:stretch>
+            <a:fillRect/>
+          </a:stretch>
+        </p:blipFill>
+        <p:spPr>
+          <a:xfrm>
+            <a:off x="2041364" y="495425"/>
+            <a:ext cx="7164182" cy="5574126"/>
+          </a:xfrm>
+        </p:spPr>
+      </p:pic>
+    </p:spTree>
+    <p:extLst>
+      <p:ext uri="{BB962C8B-B14F-4D97-AF65-F5344CB8AC3E}">
+        <p14:creationId xmlns:p14="http://schemas.microsoft.com/office/powerpoint/2010/main" val="2334876925"/>
+      </p:ext>
+    </p:extLst>
+  </p:cSld>
+  <p:clrMapOvr>
+    <a:masterClrMapping/>
+  </p:clrMapOvr>
+</p:sld>
+</file>
+
+<file path=ppt/slides/slide19.xml><?xml version="1.0" encoding="utf-8"?>
+<p:sld xmlns:a="http://schemas.openxmlformats.org/drawingml/2006/main" xmlns:r="http://schemas.openxmlformats.org/officeDocument/2006/relationships" xmlns:p="http://schemas.openxmlformats.org/presentationml/2006/main">
+  <p:cSld>
+    <p:spTree>
+      <p:nvGrpSpPr>
+        <p:cNvPr id="1" name=""/>
+        <p:cNvGrpSpPr/>
+        <p:nvPr/>
+      </p:nvGrpSpPr>
+      <p:grpSpPr>
+        <a:xfrm>
+          <a:off x="0" y="0"/>
+          <a:ext cx="0" cy="0"/>
+          <a:chOff x="0" y="0"/>
+          <a:chExt cx="0" cy="0"/>
+        </a:xfrm>
+      </p:grpSpPr>
+      <p:sp>
+        <p:nvSpPr>
+          <p:cNvPr id="2" name="Заголовок 1">
+            <a:extLst>
+              <a:ext uri="{FF2B5EF4-FFF2-40B4-BE49-F238E27FC236}">
                 <a16:creationId xmlns:a16="http://schemas.microsoft.com/office/drawing/2014/main" id="{F927D745-1D39-4726-B8E1-D3B91BC14302}"/>
               </a:ext>
             </a:extLst>
@@ -13655,7 +13741,138 @@
 </p:sld>
 </file>
 
-<file path=ppt/slides/slide19.xml><?xml version="1.0" encoding="utf-8"?>
+<file path=ppt/slides/slide2.xml><?xml version="1.0" encoding="utf-8"?>
+<p:sld xmlns:a="http://schemas.openxmlformats.org/drawingml/2006/main" xmlns:r="http://schemas.openxmlformats.org/officeDocument/2006/relationships" xmlns:p="http://schemas.openxmlformats.org/presentationml/2006/main">
+  <p:cSld>
+    <p:spTree>
+      <p:nvGrpSpPr>
+        <p:cNvPr id="1" name=""/>
+        <p:cNvGrpSpPr/>
+        <p:nvPr/>
+      </p:nvGrpSpPr>
+      <p:grpSpPr>
+        <a:xfrm>
+          <a:off x="0" y="0"/>
+          <a:ext cx="0" cy="0"/>
+          <a:chOff x="0" y="0"/>
+          <a:chExt cx="0" cy="0"/>
+        </a:xfrm>
+      </p:grpSpPr>
+      <p:sp>
+        <p:nvSpPr>
+          <p:cNvPr id="2" name="Заголовок 1">
+            <a:extLst>
+              <a:ext uri="{FF2B5EF4-FFF2-40B4-BE49-F238E27FC236}">
+                <a16:creationId xmlns:a16="http://schemas.microsoft.com/office/drawing/2014/main" id="{254AAD7D-9C18-49CB-A78B-D521F5419255}"/>
+              </a:ext>
+            </a:extLst>
+          </p:cNvPr>
+          <p:cNvSpPr>
+            <a:spLocks noGrp="1"/>
+          </p:cNvSpPr>
+          <p:nvPr>
+            <p:ph type="title"/>
+          </p:nvPr>
+        </p:nvSpPr>
+        <p:spPr/>
+        <p:txBody>
+          <a:bodyPr/>
+          <a:lstStyle/>
+          <a:p>
+            <a:r>
+              <a:rPr lang="ru-RU" dirty="0"/>
+              <a:t>Постановка Задачи</a:t>
+            </a:r>
+          </a:p>
+        </p:txBody>
+      </p:sp>
+      <p:sp>
+        <p:nvSpPr>
+          <p:cNvPr id="3" name="Объект 2">
+            <a:extLst>
+              <a:ext uri="{FF2B5EF4-FFF2-40B4-BE49-F238E27FC236}">
+                <a16:creationId xmlns:a16="http://schemas.microsoft.com/office/drawing/2014/main" id="{7298BA22-FE7C-4D35-AE48-7E7635FCB32C}"/>
+              </a:ext>
+            </a:extLst>
+          </p:cNvPr>
+          <p:cNvSpPr>
+            <a:spLocks noGrp="1"/>
+          </p:cNvSpPr>
+          <p:nvPr>
+            <p:ph idx="1"/>
+          </p:nvPr>
+        </p:nvSpPr>
+        <p:spPr>
+          <a:xfrm>
+            <a:off x="1141412" y="1749669"/>
+            <a:ext cx="9905999" cy="4041532"/>
+          </a:xfrm>
+        </p:spPr>
+        <p:txBody>
+          <a:bodyPr/>
+          <a:lstStyle/>
+          <a:p>
+            <a:pPr algn="just"/>
+            <a:r>
+              <a:rPr lang="ru-RU" dirty="0"/>
+              <a:t>Организации Беларуси должны предоставлять статистическую отчетность по утвержденным формам. В данный момент назначение организации перечня форм осуществляется практически вручную.</a:t>
+            </a:r>
+          </a:p>
+          <a:p>
+            <a:pPr algn="just"/>
+            <a:r>
+              <a:rPr lang="ru-RU" dirty="0"/>
+              <a:t>Стоит задача автоматизировать данный процесс, поэтому нужно рассмотреть эффективность использования различных моделей для решения задачи </a:t>
+            </a:r>
+            <a:r>
+              <a:rPr lang="ru-RU" dirty="0" err="1"/>
+              <a:t>мультиклассификации</a:t>
+            </a:r>
+            <a:r>
+              <a:rPr lang="ru-RU" dirty="0"/>
+              <a:t>.</a:t>
+            </a:r>
+          </a:p>
+          <a:p>
+            <a:pPr algn="just"/>
+            <a:r>
+              <a:rPr lang="ru-RU" dirty="0"/>
+              <a:t>Входные данные для моделирования собраны с 2013 года и содержаться в БД </a:t>
+            </a:r>
+            <a:r>
+              <a:rPr lang="ru-RU" dirty="0" err="1"/>
+              <a:t>Белстата</a:t>
+            </a:r>
+            <a:r>
+              <a:rPr lang="ru-RU" dirty="0"/>
+              <a:t>.</a:t>
+            </a:r>
+          </a:p>
+          <a:p>
+            <a:endParaRPr lang="ru-RU" dirty="0"/>
+          </a:p>
+          <a:p>
+            <a:endParaRPr lang="ru-RU" dirty="0"/>
+          </a:p>
+          <a:p>
+            <a:endParaRPr lang="ru-RU" dirty="0"/>
+          </a:p>
+        </p:txBody>
+      </p:sp>
+    </p:spTree>
+    <p:extLst>
+      <p:ext uri="{BB962C8B-B14F-4D97-AF65-F5344CB8AC3E}">
+        <p14:creationId xmlns:p14="http://schemas.microsoft.com/office/powerpoint/2010/main" val="4260993098"/>
+      </p:ext>
+    </p:extLst>
+  </p:cSld>
+  <p:clrMapOvr>
+    <a:masterClrMapping/>
+  </p:clrMapOvr>
+</p:sld>
+</file>
+
+<file path=ppt/slides/slide20.xml><?xml version="1.0" encoding="utf-8"?>
 <p:sld xmlns:a="http://schemas.openxmlformats.org/drawingml/2006/main" xmlns:r="http://schemas.openxmlformats.org/officeDocument/2006/relationships" xmlns:p="http://schemas.openxmlformats.org/presentationml/2006/main">
   <p:cSld>
     <p:spTree>
@@ -13779,138 +13996,7 @@
 </p:sld>
 </file>
 
-<file path=ppt/slides/slide2.xml><?xml version="1.0" encoding="utf-8"?>
-<p:sld xmlns:a="http://schemas.openxmlformats.org/drawingml/2006/main" xmlns:r="http://schemas.openxmlformats.org/officeDocument/2006/relationships" xmlns:p="http://schemas.openxmlformats.org/presentationml/2006/main">
-  <p:cSld>
-    <p:spTree>
-      <p:nvGrpSpPr>
-        <p:cNvPr id="1" name=""/>
-        <p:cNvGrpSpPr/>
-        <p:nvPr/>
-      </p:nvGrpSpPr>
-      <p:grpSpPr>
-        <a:xfrm>
-          <a:off x="0" y="0"/>
-          <a:ext cx="0" cy="0"/>
-          <a:chOff x="0" y="0"/>
-          <a:chExt cx="0" cy="0"/>
-        </a:xfrm>
-      </p:grpSpPr>
-      <p:sp>
-        <p:nvSpPr>
-          <p:cNvPr id="2" name="Заголовок 1">
-            <a:extLst>
-              <a:ext uri="{FF2B5EF4-FFF2-40B4-BE49-F238E27FC236}">
-                <a16:creationId xmlns:a16="http://schemas.microsoft.com/office/drawing/2014/main" id="{254AAD7D-9C18-49CB-A78B-D521F5419255}"/>
-              </a:ext>
-            </a:extLst>
-          </p:cNvPr>
-          <p:cNvSpPr>
-            <a:spLocks noGrp="1"/>
-          </p:cNvSpPr>
-          <p:nvPr>
-            <p:ph type="title"/>
-          </p:nvPr>
-        </p:nvSpPr>
-        <p:spPr/>
-        <p:txBody>
-          <a:bodyPr/>
-          <a:lstStyle/>
-          <a:p>
-            <a:r>
-              <a:rPr lang="ru-RU" dirty="0"/>
-              <a:t>Постановка Задачи</a:t>
-            </a:r>
-          </a:p>
-        </p:txBody>
-      </p:sp>
-      <p:sp>
-        <p:nvSpPr>
-          <p:cNvPr id="3" name="Объект 2">
-            <a:extLst>
-              <a:ext uri="{FF2B5EF4-FFF2-40B4-BE49-F238E27FC236}">
-                <a16:creationId xmlns:a16="http://schemas.microsoft.com/office/drawing/2014/main" id="{7298BA22-FE7C-4D35-AE48-7E7635FCB32C}"/>
-              </a:ext>
-            </a:extLst>
-          </p:cNvPr>
-          <p:cNvSpPr>
-            <a:spLocks noGrp="1"/>
-          </p:cNvSpPr>
-          <p:nvPr>
-            <p:ph idx="1"/>
-          </p:nvPr>
-        </p:nvSpPr>
-        <p:spPr>
-          <a:xfrm>
-            <a:off x="1141412" y="1749669"/>
-            <a:ext cx="9905999" cy="4041532"/>
-          </a:xfrm>
-        </p:spPr>
-        <p:txBody>
-          <a:bodyPr/>
-          <a:lstStyle/>
-          <a:p>
-            <a:pPr algn="just"/>
-            <a:r>
-              <a:rPr lang="ru-RU" dirty="0"/>
-              <a:t>Организации Беларуси должны предоставлять статистическую отчетность по утвержденным формам. В данный момент назначение организации перечня форм осуществляется практически вручную.</a:t>
-            </a:r>
-          </a:p>
-          <a:p>
-            <a:pPr algn="just"/>
-            <a:r>
-              <a:rPr lang="ru-RU" dirty="0"/>
-              <a:t>Стоит задача автоматизировать данный процесс, поэтому нужно рассмотреть эффективность использования различных моделей для решения задачи </a:t>
-            </a:r>
-            <a:r>
-              <a:rPr lang="ru-RU" dirty="0" err="1"/>
-              <a:t>мультиклассификации</a:t>
-            </a:r>
-            <a:r>
-              <a:rPr lang="ru-RU" dirty="0"/>
-              <a:t>.</a:t>
-            </a:r>
-          </a:p>
-          <a:p>
-            <a:pPr algn="just"/>
-            <a:r>
-              <a:rPr lang="ru-RU" dirty="0"/>
-              <a:t>Входные данные для моделирования собраны с 2013 года и содержаться в БД </a:t>
-            </a:r>
-            <a:r>
-              <a:rPr lang="ru-RU" dirty="0" err="1"/>
-              <a:t>Белстата</a:t>
-            </a:r>
-            <a:r>
-              <a:rPr lang="ru-RU" dirty="0"/>
-              <a:t>.</a:t>
-            </a:r>
-          </a:p>
-          <a:p>
-            <a:endParaRPr lang="ru-RU" dirty="0"/>
-          </a:p>
-          <a:p>
-            <a:endParaRPr lang="ru-RU" dirty="0"/>
-          </a:p>
-          <a:p>
-            <a:endParaRPr lang="ru-RU" dirty="0"/>
-          </a:p>
-        </p:txBody>
-      </p:sp>
-    </p:spTree>
-    <p:extLst>
-      <p:ext uri="{BB962C8B-B14F-4D97-AF65-F5344CB8AC3E}">
-        <p14:creationId xmlns:p14="http://schemas.microsoft.com/office/powerpoint/2010/main" val="4260993098"/>
-      </p:ext>
-    </p:extLst>
-  </p:cSld>
-  <p:clrMapOvr>
-    <a:masterClrMapping/>
-  </p:clrMapOvr>
-</p:sld>
-</file>
-
-<file path=ppt/slides/slide20.xml><?xml version="1.0" encoding="utf-8"?>
+<file path=ppt/slides/slide21.xml><?xml version="1.0" encoding="utf-8"?>
 <p:sld xmlns:a="http://schemas.openxmlformats.org/drawingml/2006/main" xmlns:r="http://schemas.openxmlformats.org/officeDocument/2006/relationships" xmlns:p="http://schemas.openxmlformats.org/presentationml/2006/main">
   <p:cSld>
     <p:spTree>
@@ -13994,7 +14080,7 @@
 </p:sld>
 </file>
 
-<file path=ppt/slides/slide21.xml><?xml version="1.0" encoding="utf-8"?>
+<file path=ppt/slides/slide22.xml><?xml version="1.0" encoding="utf-8"?>
 <p:sld xmlns:a="http://schemas.openxmlformats.org/drawingml/2006/main" xmlns:r="http://schemas.openxmlformats.org/officeDocument/2006/relationships" xmlns:p="http://schemas.openxmlformats.org/presentationml/2006/main">
   <p:cSld>
     <p:spTree>
